--- a/slides/chapter_2_v6_basics.pptx
+++ b/slides/chapter_2_v6_basics.pptx
@@ -868,7 +868,7 @@
           <a:p>
             <a:fld id="{A3330743-5240-48A7-8B57-BC19A323DEAA}" type="datetimeFigureOut">
               <a:rPr lang="en-NL" smtClean="0"/>
-              <a:t>24/09/2024</a:t>
+              <a:t>25/09/2024</a:t>
             </a:fld>
             <a:endParaRPr lang="en-NL"/>
           </a:p>
@@ -3165,7 +3165,7 @@
           <a:p>
             <a:fld id="{F9076CC6-0B10-4E86-BD70-DFE29CA69112}" type="datetimeFigureOut">
               <a:rPr lang="en-NL" smtClean="0"/>
-              <a:t>24/09/2024</a:t>
+              <a:t>25/09/2024</a:t>
             </a:fld>
             <a:endParaRPr lang="en-NL"/>
           </a:p>
@@ -3336,7 +3336,7 @@
           <a:p>
             <a:fld id="{F9076CC6-0B10-4E86-BD70-DFE29CA69112}" type="datetimeFigureOut">
               <a:rPr lang="en-NL" smtClean="0"/>
-              <a:t>24/09/2024</a:t>
+              <a:t>25/09/2024</a:t>
             </a:fld>
             <a:endParaRPr lang="en-NL"/>
           </a:p>
@@ -3517,7 +3517,7 @@
           <a:p>
             <a:fld id="{F9076CC6-0B10-4E86-BD70-DFE29CA69112}" type="datetimeFigureOut">
               <a:rPr lang="en-NL" smtClean="0"/>
-              <a:t>24/09/2024</a:t>
+              <a:t>25/09/2024</a:t>
             </a:fld>
             <a:endParaRPr lang="en-NL"/>
           </a:p>
@@ -3688,7 +3688,7 @@
           <a:p>
             <a:fld id="{F9076CC6-0B10-4E86-BD70-DFE29CA69112}" type="datetimeFigureOut">
               <a:rPr lang="en-NL" smtClean="0"/>
-              <a:t>24/09/2024</a:t>
+              <a:t>25/09/2024</a:t>
             </a:fld>
             <a:endParaRPr lang="en-NL"/>
           </a:p>
@@ -3933,7 +3933,7 @@
           <a:p>
             <a:fld id="{F9076CC6-0B10-4E86-BD70-DFE29CA69112}" type="datetimeFigureOut">
               <a:rPr lang="en-NL" smtClean="0"/>
-              <a:t>24/09/2024</a:t>
+              <a:t>25/09/2024</a:t>
             </a:fld>
             <a:endParaRPr lang="en-NL"/>
           </a:p>
@@ -4172,7 +4172,7 @@
           <a:p>
             <a:fld id="{F9076CC6-0B10-4E86-BD70-DFE29CA69112}" type="datetimeFigureOut">
               <a:rPr lang="en-NL" smtClean="0"/>
-              <a:t>24/09/2024</a:t>
+              <a:t>25/09/2024</a:t>
             </a:fld>
             <a:endParaRPr lang="en-NL"/>
           </a:p>
@@ -4558,7 +4558,7 @@
           <a:p>
             <a:fld id="{F9076CC6-0B10-4E86-BD70-DFE29CA69112}" type="datetimeFigureOut">
               <a:rPr lang="en-NL" smtClean="0"/>
-              <a:t>24/09/2024</a:t>
+              <a:t>25/09/2024</a:t>
             </a:fld>
             <a:endParaRPr lang="en-NL"/>
           </a:p>
@@ -4671,7 +4671,7 @@
           <a:p>
             <a:fld id="{F9076CC6-0B10-4E86-BD70-DFE29CA69112}" type="datetimeFigureOut">
               <a:rPr lang="en-NL" smtClean="0"/>
-              <a:t>24/09/2024</a:t>
+              <a:t>25/09/2024</a:t>
             </a:fld>
             <a:endParaRPr lang="en-NL"/>
           </a:p>
@@ -4755,7 +4755,7 @@
           <a:p>
             <a:fld id="{F9076CC6-0B10-4E86-BD70-DFE29CA69112}" type="datetimeFigureOut">
               <a:rPr lang="en-NL" smtClean="0"/>
-              <a:t>24/09/2024</a:t>
+              <a:t>25/09/2024</a:t>
             </a:fld>
             <a:endParaRPr lang="en-NL"/>
           </a:p>
@@ -5039,7 +5039,7 @@
           <a:p>
             <a:fld id="{F9076CC6-0B10-4E86-BD70-DFE29CA69112}" type="datetimeFigureOut">
               <a:rPr lang="en-NL" smtClean="0"/>
-              <a:t>24/09/2024</a:t>
+              <a:t>25/09/2024</a:t>
             </a:fld>
             <a:endParaRPr lang="en-NL"/>
           </a:p>
@@ -5303,7 +5303,7 @@
           <a:p>
             <a:fld id="{F9076CC6-0B10-4E86-BD70-DFE29CA69112}" type="datetimeFigureOut">
               <a:rPr lang="en-NL" smtClean="0"/>
-              <a:t>24/09/2024</a:t>
+              <a:t>25/09/2024</a:t>
             </a:fld>
             <a:endParaRPr lang="en-NL"/>
           </a:p>
@@ -5515,7 +5515,7 @@
           <a:p>
             <a:fld id="{F9076CC6-0B10-4E86-BD70-DFE29CA69112}" type="datetimeFigureOut">
               <a:rPr lang="en-NL" smtClean="0"/>
-              <a:t>24/09/2024</a:t>
+              <a:t>25/09/2024</a:t>
             </a:fld>
             <a:endParaRPr lang="en-NL"/>
           </a:p>
@@ -12618,67 +12618,12 @@
           </a:p>
         </p:txBody>
       </p:sp>
-      <p:sp>
-        <p:nvSpPr>
-          <p:cNvPr id="3" name="Rectangle: Rounded Corners 2">
+      <p:pic>
+        <p:nvPicPr>
+          <p:cNvPr id="7" name="Picture 6" descr="A screenshot of a computer&#10;&#10;Description automatically generated">
             <a:extLst>
               <a:ext uri="{FF2B5EF4-FFF2-40B4-BE49-F238E27FC236}">
-                <a16:creationId xmlns:a16="http://schemas.microsoft.com/office/drawing/2014/main" id="{4F76C534-CC58-ACD2-0A70-DA06DA8A1FE5}"/>
-              </a:ext>
-            </a:extLst>
-          </p:cNvPr>
-          <p:cNvSpPr/>
-          <p:nvPr/>
-        </p:nvSpPr>
-        <p:spPr>
-          <a:xfrm>
-            <a:off x="1952314" y="1710840"/>
-            <a:ext cx="2034988" cy="1228164"/>
-          </a:xfrm>
-          <a:prstGeom prst="roundRect">
-            <a:avLst/>
-          </a:prstGeom>
-          <a:solidFill>
-            <a:schemeClr val="accent6">
-              <a:lumMod val="60000"/>
-              <a:lumOff val="40000"/>
-            </a:schemeClr>
-          </a:solidFill>
-          <a:ln>
-            <a:noFill/>
-          </a:ln>
-        </p:spPr>
-        <p:style>
-          <a:lnRef idx="2">
-            <a:schemeClr val="accent1">
-              <a:shade val="15000"/>
-            </a:schemeClr>
-          </a:lnRef>
-          <a:fillRef idx="1">
-            <a:schemeClr val="accent1"/>
-          </a:fillRef>
-          <a:effectRef idx="0">
-            <a:schemeClr val="accent1"/>
-          </a:effectRef>
-          <a:fontRef idx="minor">
-            <a:schemeClr val="lt1"/>
-          </a:fontRef>
-        </p:style>
-        <p:txBody>
-          <a:bodyPr rtlCol="0" anchor="ctr"/>
-          <a:lstStyle/>
-          <a:p>
-            <a:pPr algn="ctr"/>
-            <a:endParaRPr lang="en-NL" dirty="0"/>
-          </a:p>
-        </p:txBody>
-      </p:sp>
-      <p:pic>
-        <p:nvPicPr>
-          <p:cNvPr id="5" name="Graphic 4" descr="Hospital with solid fill">
-            <a:extLst>
-              <a:ext uri="{FF2B5EF4-FFF2-40B4-BE49-F238E27FC236}">
-                <a16:creationId xmlns:a16="http://schemas.microsoft.com/office/drawing/2014/main" id="{16EC0387-662B-DDBF-F738-97192E448D54}"/>
+                <a16:creationId xmlns:a16="http://schemas.microsoft.com/office/drawing/2014/main" id="{56C42D48-292A-8B0E-9519-679732452025}"/>
               </a:ext>
             </a:extLst>
           </p:cNvPr>
@@ -12690,2537 +12635,24 @@
         <p:blipFill>
           <a:blip r:embed="rId2">
             <a:extLst>
-              <a:ext uri="{96DAC541-7B7A-43D3-8B79-37D633B846F1}">
-                <asvg:svgBlip xmlns:asvg="http://schemas.microsoft.com/office/drawing/2016/SVG/main" r:embed="rId3"/>
+              <a:ext uri="{28A0092B-C50C-407E-A947-70E740481C1C}">
+                <a14:useLocalDpi xmlns:a14="http://schemas.microsoft.com/office/drawing/2010/main" val="0"/>
               </a:ext>
             </a:extLst>
           </a:blip>
-          <a:stretch>
-            <a:fillRect/>
-          </a:stretch>
+          <a:srcRect l="3573" t="11157" r="1691" b="4402"/>
+          <a:stretch/>
         </p:blipFill>
         <p:spPr>
           <a:xfrm>
-            <a:off x="2023336" y="1850869"/>
-            <a:ext cx="536362" cy="536362"/>
+            <a:off x="3298166" y="1794681"/>
+            <a:ext cx="5595668" cy="2879677"/>
           </a:xfrm>
           <a:prstGeom prst="rect">
             <a:avLst/>
           </a:prstGeom>
         </p:spPr>
       </p:pic>
-      <p:graphicFrame>
-        <p:nvGraphicFramePr>
-          <p:cNvPr id="8" name="Table 7">
-            <a:extLst>
-              <a:ext uri="{FF2B5EF4-FFF2-40B4-BE49-F238E27FC236}">
-                <a16:creationId xmlns:a16="http://schemas.microsoft.com/office/drawing/2014/main" id="{3EE3F608-F3BE-8101-8DF7-C0C826E7B850}"/>
-              </a:ext>
-            </a:extLst>
-          </p:cNvPr>
-          <p:cNvGraphicFramePr>
-            <a:graphicFrameLocks noGrp="1"/>
-          </p:cNvGraphicFramePr>
-          <p:nvPr>
-            <p:extLst>
-              <p:ext uri="{D42A27DB-BD31-4B8C-83A1-F6EECF244321}">
-                <p14:modId xmlns:p14="http://schemas.microsoft.com/office/powerpoint/2010/main" val="2865286793"/>
-              </p:ext>
-            </p:extLst>
-          </p:nvPr>
-        </p:nvGraphicFramePr>
-        <p:xfrm>
-          <a:off x="2630720" y="1990364"/>
-          <a:ext cx="1114985" cy="334558"/>
-        </p:xfrm>
-        <a:graphic>
-          <a:graphicData uri="http://schemas.openxmlformats.org/drawingml/2006/table">
-            <a:tbl>
-              <a:tblPr firstRow="1" bandRow="1">
-                <a:tableStyleId>{5C22544A-7EE6-4342-B048-85BDC9FD1C3A}</a:tableStyleId>
-              </a:tblPr>
-              <a:tblGrid>
-                <a:gridCol w="469442">
-                  <a:extLst>
-                    <a:ext uri="{9D8B030D-6E8A-4147-A177-3AD203B41FA5}">
-                      <a16:colId xmlns:a16="http://schemas.microsoft.com/office/drawing/2014/main" val="1238794820"/>
-                    </a:ext>
-                  </a:extLst>
-                </a:gridCol>
-                <a:gridCol w="322825">
-                  <a:extLst>
-                    <a:ext uri="{9D8B030D-6E8A-4147-A177-3AD203B41FA5}">
-                      <a16:colId xmlns:a16="http://schemas.microsoft.com/office/drawing/2014/main" val="3879858912"/>
-                    </a:ext>
-                  </a:extLst>
-                </a:gridCol>
-                <a:gridCol w="322718">
-                  <a:extLst>
-                    <a:ext uri="{9D8B030D-6E8A-4147-A177-3AD203B41FA5}">
-                      <a16:colId xmlns:a16="http://schemas.microsoft.com/office/drawing/2014/main" val="588063147"/>
-                    </a:ext>
-                  </a:extLst>
-                </a:gridCol>
-              </a:tblGrid>
-              <a:tr h="167279">
-                <a:tc>
-                  <a:txBody>
-                    <a:bodyPr/>
-                    <a:lstStyle/>
-                    <a:p>
-                      <a:r>
-                        <a:rPr lang="en-US" sz="1000" b="0" dirty="0">
-                          <a:solidFill>
-                            <a:schemeClr val="tx1"/>
-                          </a:solidFill>
-                        </a:rPr>
-                        <a:t>Walter</a:t>
-                      </a:r>
-                      <a:endParaRPr lang="en-NL" sz="1000" b="0" dirty="0">
-                        <a:solidFill>
-                          <a:schemeClr val="tx1"/>
-                        </a:solidFill>
-                      </a:endParaRPr>
-                    </a:p>
-                  </a:txBody>
-                  <a:tcPr marL="72000" marR="0" marT="0" marB="0" anchor="ctr">
-                    <a:lnL w="12700" cmpd="sng">
-                      <a:noFill/>
-                    </a:lnL>
-                    <a:lnR w="12700" cap="flat" cmpd="sng" algn="ctr">
-                      <a:noFill/>
-                      <a:prstDash val="solid"/>
-                      <a:round/>
-                      <a:headEnd type="none" w="med" len="med"/>
-                      <a:tailEnd type="none" w="med" len="med"/>
-                    </a:lnR>
-                    <a:lnT w="12700" cmpd="sng">
-                      <a:noFill/>
-                    </a:lnT>
-                    <a:lnB w="12700" cap="flat" cmpd="sng" algn="ctr">
-                      <a:noFill/>
-                      <a:prstDash val="solid"/>
-                      <a:round/>
-                      <a:headEnd type="none" w="med" len="med"/>
-                      <a:tailEnd type="none" w="med" len="med"/>
-                    </a:lnB>
-                    <a:lnTlToBr w="12700" cmpd="sng">
-                      <a:noFill/>
-                      <a:prstDash val="solid"/>
-                    </a:lnTlToBr>
-                    <a:lnBlToTr w="12700" cmpd="sng">
-                      <a:noFill/>
-                      <a:prstDash val="solid"/>
-                    </a:lnBlToTr>
-                    <a:solidFill>
-                      <a:schemeClr val="accent1">
-                        <a:lumMod val="60000"/>
-                        <a:lumOff val="40000"/>
-                      </a:schemeClr>
-                    </a:solidFill>
-                  </a:tcPr>
-                </a:tc>
-                <a:tc>
-                  <a:txBody>
-                    <a:bodyPr/>
-                    <a:lstStyle/>
-                    <a:p>
-                      <a:r>
-                        <a:rPr lang="en-US" sz="1000" b="0" dirty="0">
-                          <a:solidFill>
-                            <a:schemeClr val="tx1"/>
-                          </a:solidFill>
-                        </a:rPr>
-                        <a:t>34</a:t>
-                      </a:r>
-                      <a:endParaRPr lang="en-NL" sz="1000" b="0" dirty="0">
-                        <a:solidFill>
-                          <a:schemeClr val="tx1"/>
-                        </a:solidFill>
-                      </a:endParaRPr>
-                    </a:p>
-                  </a:txBody>
-                  <a:tcPr marL="72000" marR="0" marT="0" marB="0" anchor="ctr">
-                    <a:lnL w="12700" cap="flat" cmpd="sng" algn="ctr">
-                      <a:noFill/>
-                      <a:prstDash val="solid"/>
-                      <a:round/>
-                      <a:headEnd type="none" w="med" len="med"/>
-                      <a:tailEnd type="none" w="med" len="med"/>
-                    </a:lnL>
-                    <a:lnR w="12700" cap="flat" cmpd="sng" algn="ctr">
-                      <a:noFill/>
-                      <a:prstDash val="solid"/>
-                      <a:round/>
-                      <a:headEnd type="none" w="med" len="med"/>
-                      <a:tailEnd type="none" w="med" len="med"/>
-                    </a:lnR>
-                    <a:lnT w="12700" cmpd="sng">
-                      <a:noFill/>
-                    </a:lnT>
-                    <a:lnB w="12700" cap="flat" cmpd="sng" algn="ctr">
-                      <a:noFill/>
-                      <a:prstDash val="solid"/>
-                      <a:round/>
-                      <a:headEnd type="none" w="med" len="med"/>
-                      <a:tailEnd type="none" w="med" len="med"/>
-                    </a:lnB>
-                    <a:lnTlToBr w="12700" cmpd="sng">
-                      <a:noFill/>
-                      <a:prstDash val="solid"/>
-                    </a:lnTlToBr>
-                    <a:lnBlToTr w="12700" cmpd="sng">
-                      <a:noFill/>
-                      <a:prstDash val="solid"/>
-                    </a:lnBlToTr>
-                    <a:solidFill>
-                      <a:schemeClr val="accent1">
-                        <a:lumMod val="60000"/>
-                        <a:lumOff val="40000"/>
-                      </a:schemeClr>
-                    </a:solidFill>
-                  </a:tcPr>
-                </a:tc>
-                <a:tc>
-                  <a:txBody>
-                    <a:bodyPr/>
-                    <a:lstStyle/>
-                    <a:p>
-                      <a:r>
-                        <a:rPr lang="en-US" sz="1000" b="0" dirty="0">
-                          <a:solidFill>
-                            <a:schemeClr val="tx1"/>
-                          </a:solidFill>
-                        </a:rPr>
-                        <a:t>168</a:t>
-                      </a:r>
-                      <a:endParaRPr lang="en-NL" sz="1000" b="0" dirty="0">
-                        <a:solidFill>
-                          <a:schemeClr val="tx1"/>
-                        </a:solidFill>
-                      </a:endParaRPr>
-                    </a:p>
-                  </a:txBody>
-                  <a:tcPr marL="72000" marR="0" marT="0" marB="0" anchor="ctr">
-                    <a:lnL w="12700" cap="flat" cmpd="sng" algn="ctr">
-                      <a:noFill/>
-                      <a:prstDash val="solid"/>
-                      <a:round/>
-                      <a:headEnd type="none" w="med" len="med"/>
-                      <a:tailEnd type="none" w="med" len="med"/>
-                    </a:lnL>
-                    <a:lnR w="12700" cmpd="sng">
-                      <a:noFill/>
-                    </a:lnR>
-                    <a:lnT w="12700" cmpd="sng">
-                      <a:noFill/>
-                    </a:lnT>
-                    <a:lnB w="12700" cap="flat" cmpd="sng" algn="ctr">
-                      <a:noFill/>
-                      <a:prstDash val="solid"/>
-                      <a:round/>
-                      <a:headEnd type="none" w="med" len="med"/>
-                      <a:tailEnd type="none" w="med" len="med"/>
-                    </a:lnB>
-                    <a:lnTlToBr w="12700" cmpd="sng">
-                      <a:noFill/>
-                      <a:prstDash val="solid"/>
-                    </a:lnTlToBr>
-                    <a:lnBlToTr w="12700" cmpd="sng">
-                      <a:noFill/>
-                      <a:prstDash val="solid"/>
-                    </a:lnBlToTr>
-                    <a:solidFill>
-                      <a:schemeClr val="accent1">
-                        <a:lumMod val="60000"/>
-                        <a:lumOff val="40000"/>
-                      </a:schemeClr>
-                    </a:solidFill>
-                  </a:tcPr>
-                </a:tc>
-                <a:extLst>
-                  <a:ext uri="{0D108BD9-81ED-4DB2-BD59-A6C34878D82A}">
-                    <a16:rowId xmlns:a16="http://schemas.microsoft.com/office/drawing/2014/main" val="4199826510"/>
-                  </a:ext>
-                </a:extLst>
-              </a:tr>
-              <a:tr h="167279">
-                <a:tc>
-                  <a:txBody>
-                    <a:bodyPr/>
-                    <a:lstStyle/>
-                    <a:p>
-                      <a:r>
-                        <a:rPr lang="en-US" sz="1000" b="0" dirty="0">
-                          <a:solidFill>
-                            <a:schemeClr val="tx1"/>
-                          </a:solidFill>
-                        </a:rPr>
-                        <a:t>Giulia</a:t>
-                      </a:r>
-                      <a:endParaRPr lang="en-NL" sz="1000" b="0" dirty="0">
-                        <a:solidFill>
-                          <a:schemeClr val="tx1"/>
-                        </a:solidFill>
-                      </a:endParaRPr>
-                    </a:p>
-                  </a:txBody>
-                  <a:tcPr marL="72000" marR="0" marT="0" marB="0" anchor="ctr">
-                    <a:lnL w="12700" cmpd="sng">
-                      <a:noFill/>
-                    </a:lnL>
-                    <a:lnR w="12700" cap="flat" cmpd="sng" algn="ctr">
-                      <a:noFill/>
-                      <a:prstDash val="solid"/>
-                      <a:round/>
-                      <a:headEnd type="none" w="med" len="med"/>
-                      <a:tailEnd type="none" w="med" len="med"/>
-                    </a:lnR>
-                    <a:lnT w="12700" cap="flat" cmpd="sng" algn="ctr">
-                      <a:noFill/>
-                      <a:prstDash val="solid"/>
-                      <a:round/>
-                      <a:headEnd type="none" w="med" len="med"/>
-                      <a:tailEnd type="none" w="med" len="med"/>
-                    </a:lnT>
-                    <a:lnB w="12700" cmpd="sng">
-                      <a:noFill/>
-                    </a:lnB>
-                    <a:lnTlToBr w="12700" cmpd="sng">
-                      <a:noFill/>
-                      <a:prstDash val="solid"/>
-                    </a:lnTlToBr>
-                    <a:lnBlToTr w="12700" cmpd="sng">
-                      <a:noFill/>
-                      <a:prstDash val="solid"/>
-                    </a:lnBlToTr>
-                  </a:tcPr>
-                </a:tc>
-                <a:tc>
-                  <a:txBody>
-                    <a:bodyPr/>
-                    <a:lstStyle/>
-                    <a:p>
-                      <a:r>
-                        <a:rPr lang="en-US" sz="1000" b="0" dirty="0">
-                          <a:solidFill>
-                            <a:schemeClr val="tx1"/>
-                          </a:solidFill>
-                        </a:rPr>
-                        <a:t>29</a:t>
-                      </a:r>
-                      <a:endParaRPr lang="en-NL" sz="1000" b="0" dirty="0">
-                        <a:solidFill>
-                          <a:schemeClr val="tx1"/>
-                        </a:solidFill>
-                      </a:endParaRPr>
-                    </a:p>
-                  </a:txBody>
-                  <a:tcPr marL="72000" marR="0" marT="0" marB="0" anchor="ctr">
-                    <a:lnL w="12700" cap="flat" cmpd="sng" algn="ctr">
-                      <a:noFill/>
-                      <a:prstDash val="solid"/>
-                      <a:round/>
-                      <a:headEnd type="none" w="med" len="med"/>
-                      <a:tailEnd type="none" w="med" len="med"/>
-                    </a:lnL>
-                    <a:lnR w="12700" cap="flat" cmpd="sng" algn="ctr">
-                      <a:noFill/>
-                      <a:prstDash val="solid"/>
-                      <a:round/>
-                      <a:headEnd type="none" w="med" len="med"/>
-                      <a:tailEnd type="none" w="med" len="med"/>
-                    </a:lnR>
-                    <a:lnT w="12700" cap="flat" cmpd="sng" algn="ctr">
-                      <a:noFill/>
-                      <a:prstDash val="solid"/>
-                      <a:round/>
-                      <a:headEnd type="none" w="med" len="med"/>
-                      <a:tailEnd type="none" w="med" len="med"/>
-                    </a:lnT>
-                    <a:lnB w="12700" cmpd="sng">
-                      <a:noFill/>
-                    </a:lnB>
-                    <a:lnTlToBr w="12700" cmpd="sng">
-                      <a:noFill/>
-                      <a:prstDash val="solid"/>
-                    </a:lnTlToBr>
-                    <a:lnBlToTr w="12700" cmpd="sng">
-                      <a:noFill/>
-                      <a:prstDash val="solid"/>
-                    </a:lnBlToTr>
-                  </a:tcPr>
-                </a:tc>
-                <a:tc>
-                  <a:txBody>
-                    <a:bodyPr/>
-                    <a:lstStyle/>
-                    <a:p>
-                      <a:r>
-                        <a:rPr lang="en-US" sz="1000" b="0" dirty="0">
-                          <a:solidFill>
-                            <a:schemeClr val="tx1"/>
-                          </a:solidFill>
-                        </a:rPr>
-                        <a:t>163</a:t>
-                      </a:r>
-                      <a:endParaRPr lang="en-NL" sz="1000" b="0" dirty="0">
-                        <a:solidFill>
-                          <a:schemeClr val="tx1"/>
-                        </a:solidFill>
-                      </a:endParaRPr>
-                    </a:p>
-                  </a:txBody>
-                  <a:tcPr marL="72000" marR="0" marT="0" marB="0" anchor="ctr">
-                    <a:lnL w="12700" cap="flat" cmpd="sng" algn="ctr">
-                      <a:noFill/>
-                      <a:prstDash val="solid"/>
-                      <a:round/>
-                      <a:headEnd type="none" w="med" len="med"/>
-                      <a:tailEnd type="none" w="med" len="med"/>
-                    </a:lnL>
-                    <a:lnR w="12700" cmpd="sng">
-                      <a:noFill/>
-                    </a:lnR>
-                    <a:lnT w="12700" cap="flat" cmpd="sng" algn="ctr">
-                      <a:noFill/>
-                      <a:prstDash val="solid"/>
-                      <a:round/>
-                      <a:headEnd type="none" w="med" len="med"/>
-                      <a:tailEnd type="none" w="med" len="med"/>
-                    </a:lnT>
-                    <a:lnB w="12700" cmpd="sng">
-                      <a:noFill/>
-                    </a:lnB>
-                    <a:lnTlToBr w="12700" cmpd="sng">
-                      <a:noFill/>
-                      <a:prstDash val="solid"/>
-                    </a:lnTlToBr>
-                    <a:lnBlToTr w="12700" cmpd="sng">
-                      <a:noFill/>
-                      <a:prstDash val="solid"/>
-                    </a:lnBlToTr>
-                  </a:tcPr>
-                </a:tc>
-                <a:extLst>
-                  <a:ext uri="{0D108BD9-81ED-4DB2-BD59-A6C34878D82A}">
-                    <a16:rowId xmlns:a16="http://schemas.microsoft.com/office/drawing/2014/main" val="3225270738"/>
-                  </a:ext>
-                </a:extLst>
-              </a:tr>
-            </a:tbl>
-          </a:graphicData>
-        </a:graphic>
-      </p:graphicFrame>
-      <p:grpSp>
-        <p:nvGrpSpPr>
-          <p:cNvPr id="15" name="Group 14">
-            <a:extLst>
-              <a:ext uri="{FF2B5EF4-FFF2-40B4-BE49-F238E27FC236}">
-                <a16:creationId xmlns:a16="http://schemas.microsoft.com/office/drawing/2014/main" id="{E1950FE1-A649-C1F3-C28B-E7DF83B1A797}"/>
-              </a:ext>
-            </a:extLst>
-          </p:cNvPr>
-          <p:cNvGrpSpPr/>
-          <p:nvPr/>
-        </p:nvGrpSpPr>
-        <p:grpSpPr>
-          <a:xfrm>
-            <a:off x="2080905" y="2268264"/>
-            <a:ext cx="904617" cy="614462"/>
-            <a:chOff x="6684007" y="2862347"/>
-            <a:chExt cx="904617" cy="614462"/>
-          </a:xfrm>
-        </p:grpSpPr>
-        <p:sp>
-          <p:nvSpPr>
-            <p:cNvPr id="9" name="Oval 8">
-              <a:extLst>
-                <a:ext uri="{FF2B5EF4-FFF2-40B4-BE49-F238E27FC236}">
-                  <a16:creationId xmlns:a16="http://schemas.microsoft.com/office/drawing/2014/main" id="{966F1D99-D255-539C-CB99-B576C79648DD}"/>
-                </a:ext>
-              </a:extLst>
-            </p:cNvPr>
-            <p:cNvSpPr/>
-            <p:nvPr/>
-          </p:nvSpPr>
-          <p:spPr>
-            <a:xfrm>
-              <a:off x="6828260" y="2862347"/>
-              <a:ext cx="616112" cy="614462"/>
-            </a:xfrm>
-            <a:prstGeom prst="ellipse">
-              <a:avLst/>
-            </a:prstGeom>
-            <a:solidFill>
-              <a:schemeClr val="accent1">
-                <a:lumMod val="40000"/>
-                <a:lumOff val="60000"/>
-              </a:schemeClr>
-            </a:solidFill>
-            <a:ln>
-              <a:noFill/>
-            </a:ln>
-          </p:spPr>
-          <p:style>
-            <a:lnRef idx="2">
-              <a:schemeClr val="accent1">
-                <a:shade val="15000"/>
-              </a:schemeClr>
-            </a:lnRef>
-            <a:fillRef idx="1">
-              <a:schemeClr val="accent1"/>
-            </a:fillRef>
-            <a:effectRef idx="0">
-              <a:schemeClr val="accent1"/>
-            </a:effectRef>
-            <a:fontRef idx="minor">
-              <a:schemeClr val="lt1"/>
-            </a:fontRef>
-          </p:style>
-          <p:txBody>
-            <a:bodyPr lIns="0" rIns="0" rtlCol="0" anchor="ctr"/>
-            <a:lstStyle/>
-            <a:p>
-              <a:pPr algn="ctr"/>
-              <a:endParaRPr lang="en-NL" sz="900" dirty="0">
-                <a:solidFill>
-                  <a:schemeClr val="tx1"/>
-                </a:solidFill>
-              </a:endParaRPr>
-            </a:p>
-          </p:txBody>
-        </p:sp>
-        <mc:AlternateContent xmlns:mc="http://schemas.openxmlformats.org/markup-compatibility/2006">
-          <mc:Choice xmlns:a14="http://schemas.microsoft.com/office/drawing/2010/main" Requires="a14">
-            <p:sp>
-              <p:nvSpPr>
-                <p:cNvPr id="10" name="TextBox 9">
-                  <a:extLst>
-                    <a:ext uri="{FF2B5EF4-FFF2-40B4-BE49-F238E27FC236}">
-                      <a16:creationId xmlns:a16="http://schemas.microsoft.com/office/drawing/2014/main" id="{DB055DCB-489E-C857-6443-CB875676E93B}"/>
-                    </a:ext>
-                  </a:extLst>
-                </p:cNvPr>
-                <p:cNvSpPr txBox="1"/>
-                <p:nvPr/>
-              </p:nvSpPr>
-              <p:spPr>
-                <a:xfrm>
-                  <a:off x="6684007" y="3007128"/>
-                  <a:ext cx="904617" cy="400110"/>
-                </a:xfrm>
-                <a:prstGeom prst="rect">
-                  <a:avLst/>
-                </a:prstGeom>
-                <a:noFill/>
-              </p:spPr>
-              <p:txBody>
-                <a:bodyPr wrap="square" rtlCol="0">
-                  <a:spAutoFit/>
-                </a:bodyPr>
-                <a:lstStyle/>
-                <a:p>
-                  <a14:m>
-                    <m:oMathPara xmlns:m="http://schemas.openxmlformats.org/officeDocument/2006/math">
-                      <m:oMathParaPr>
-                        <m:jc m:val="centerGroup"/>
-                      </m:oMathParaPr>
-                      <m:oMath xmlns:m="http://schemas.openxmlformats.org/officeDocument/2006/math">
-                        <m:r>
-                          <a:rPr lang="en-US" sz="1000" b="0" i="1" smtClean="0">
-                            <a:solidFill>
-                              <a:schemeClr val="tx1"/>
-                            </a:solidFill>
-                            <a:latin typeface="Cambria Math" panose="02040503050406030204" pitchFamily="18" charset="0"/>
-                          </a:rPr>
-                          <m:t>𝑓</m:t>
-                        </m:r>
-                        <m:d>
-                          <m:dPr>
-                            <m:ctrlPr>
-                              <a:rPr lang="en-US" sz="1000" b="0" i="1" smtClean="0">
-                                <a:solidFill>
-                                  <a:schemeClr val="tx1"/>
-                                </a:solidFill>
-                                <a:latin typeface="Cambria Math" panose="02040503050406030204" pitchFamily="18" charset="0"/>
-                              </a:rPr>
-                            </m:ctrlPr>
-                          </m:dPr>
-                          <m:e>
-                            <m:sSub>
-                              <m:sSubPr>
-                                <m:ctrlPr>
-                                  <a:rPr lang="en-US" sz="1000" b="0" i="1" smtClean="0">
-                                    <a:solidFill>
-                                      <a:schemeClr val="tx1"/>
-                                    </a:solidFill>
-                                    <a:latin typeface="Cambria Math" panose="02040503050406030204" pitchFamily="18" charset="0"/>
-                                  </a:rPr>
-                                </m:ctrlPr>
-                              </m:sSubPr>
-                              <m:e>
-                                <m:r>
-                                  <a:rPr lang="en-US" sz="1000" b="0" i="1" smtClean="0">
-                                    <a:solidFill>
-                                      <a:schemeClr val="tx1"/>
-                                    </a:solidFill>
-                                    <a:latin typeface="Cambria Math" panose="02040503050406030204" pitchFamily="18" charset="0"/>
-                                  </a:rPr>
-                                  <m:t>𝑥</m:t>
-                                </m:r>
-                              </m:e>
-                              <m:sub>
-                                <m:r>
-                                  <a:rPr lang="en-US" sz="1000" b="0" i="1" smtClean="0">
-                                    <a:solidFill>
-                                      <a:schemeClr val="tx1"/>
-                                    </a:solidFill>
-                                    <a:latin typeface="Cambria Math" panose="02040503050406030204" pitchFamily="18" charset="0"/>
-                                  </a:rPr>
-                                  <m:t>1</m:t>
-                                </m:r>
-                              </m:sub>
-                            </m:sSub>
-                          </m:e>
-                        </m:d>
-                        <m:r>
-                          <a:rPr lang="en-US" sz="1000" b="0" i="1" smtClean="0">
-                            <a:solidFill>
-                              <a:schemeClr val="tx1"/>
-                            </a:solidFill>
-                            <a:latin typeface="Cambria Math" panose="02040503050406030204" pitchFamily="18" charset="0"/>
-                          </a:rPr>
-                          <m:t>=</m:t>
-                        </m:r>
-                        <m:sSub>
-                          <m:sSubPr>
-                            <m:ctrlPr>
-                              <a:rPr lang="en-US" sz="1000" b="0" i="1" smtClean="0">
-                                <a:solidFill>
-                                  <a:schemeClr val="tx1"/>
-                                </a:solidFill>
-                                <a:latin typeface="Cambria Math" panose="02040503050406030204" pitchFamily="18" charset="0"/>
-                              </a:rPr>
-                            </m:ctrlPr>
-                          </m:sSubPr>
-                          <m:e>
-                            <m:r>
-                              <a:rPr lang="en-US" sz="1000" b="0" i="1" smtClean="0">
-                                <a:solidFill>
-                                  <a:schemeClr val="tx1"/>
-                                </a:solidFill>
-                                <a:latin typeface="Cambria Math" panose="02040503050406030204" pitchFamily="18" charset="0"/>
-                              </a:rPr>
-                              <m:t>𝑦</m:t>
-                            </m:r>
-                          </m:e>
-                          <m:sub>
-                            <m:r>
-                              <a:rPr lang="en-US" sz="1000" b="0" i="1" smtClean="0">
-                                <a:solidFill>
-                                  <a:schemeClr val="tx1"/>
-                                </a:solidFill>
-                                <a:latin typeface="Cambria Math" panose="02040503050406030204" pitchFamily="18" charset="0"/>
-                              </a:rPr>
-                              <m:t>1</m:t>
-                            </m:r>
-                          </m:sub>
-                        </m:sSub>
-                      </m:oMath>
-                    </m:oMathPara>
-                  </a14:m>
-                  <a:endParaRPr lang="en-NL" sz="1000" dirty="0">
-                    <a:solidFill>
-                      <a:schemeClr val="tx1"/>
-                    </a:solidFill>
-                  </a:endParaRPr>
-                </a:p>
-                <a:p>
-                  <a:endParaRPr lang="en-NL" sz="1000" dirty="0"/>
-                </a:p>
-              </p:txBody>
-            </p:sp>
-          </mc:Choice>
-          <mc:Fallback>
-            <p:sp>
-              <p:nvSpPr>
-                <p:cNvPr id="10" name="TextBox 9">
-                  <a:extLst>
-                    <a:ext uri="{FF2B5EF4-FFF2-40B4-BE49-F238E27FC236}">
-                      <a16:creationId xmlns:a16="http://schemas.microsoft.com/office/drawing/2014/main" id="{DB055DCB-489E-C857-6443-CB875676E93B}"/>
-                    </a:ext>
-                  </a:extLst>
-                </p:cNvPr>
-                <p:cNvSpPr txBox="1">
-                  <a:spLocks noRot="1" noChangeAspect="1" noMove="1" noResize="1" noEditPoints="1" noAdjustHandles="1" noChangeArrowheads="1" noChangeShapeType="1" noTextEdit="1"/>
-                </p:cNvSpPr>
-                <p:nvPr/>
-              </p:nvSpPr>
-              <p:spPr>
-                <a:xfrm>
-                  <a:off x="6684007" y="3007128"/>
-                  <a:ext cx="904617" cy="400110"/>
-                </a:xfrm>
-                <a:prstGeom prst="rect">
-                  <a:avLst/>
-                </a:prstGeom>
-                <a:blipFill>
-                  <a:blip r:embed="rId4"/>
-                  <a:stretch>
-                    <a:fillRect/>
-                  </a:stretch>
-                </a:blipFill>
-              </p:spPr>
-              <p:txBody>
-                <a:bodyPr/>
-                <a:lstStyle/>
-                <a:p>
-                  <a:r>
-                    <a:rPr lang="en-NL">
-                      <a:noFill/>
-                    </a:rPr>
-                    <a:t> </a:t>
-                  </a:r>
-                </a:p>
-              </p:txBody>
-            </p:sp>
-          </mc:Fallback>
-        </mc:AlternateContent>
-      </p:grpSp>
-      <p:sp>
-        <p:nvSpPr>
-          <p:cNvPr id="13" name="TextBox 12">
-            <a:extLst>
-              <a:ext uri="{FF2B5EF4-FFF2-40B4-BE49-F238E27FC236}">
-                <a16:creationId xmlns:a16="http://schemas.microsoft.com/office/drawing/2014/main" id="{2B01392A-A931-976D-5FE5-671A3D7B6D34}"/>
-              </a:ext>
-            </a:extLst>
-          </p:cNvPr>
-          <p:cNvSpPr txBox="1"/>
-          <p:nvPr/>
-        </p:nvSpPr>
-        <p:spPr>
-          <a:xfrm>
-            <a:off x="3043518" y="2575495"/>
-            <a:ext cx="904617" cy="369332"/>
-          </a:xfrm>
-          <a:prstGeom prst="rect">
-            <a:avLst/>
-          </a:prstGeom>
-          <a:noFill/>
-        </p:spPr>
-        <p:txBody>
-          <a:bodyPr wrap="square" rtlCol="0">
-            <a:spAutoFit/>
-          </a:bodyPr>
-          <a:lstStyle/>
-          <a:p>
-            <a:r>
-              <a:rPr lang="en-US" b="1" dirty="0">
-                <a:solidFill>
-                  <a:schemeClr val="bg1"/>
-                </a:solidFill>
-              </a:rPr>
-              <a:t>Node 1</a:t>
-            </a:r>
-            <a:endParaRPr lang="en-NL" b="1" dirty="0">
-              <a:solidFill>
-                <a:schemeClr val="bg1"/>
-              </a:solidFill>
-            </a:endParaRPr>
-          </a:p>
-        </p:txBody>
-      </p:sp>
-      <p:sp>
-        <p:nvSpPr>
-          <p:cNvPr id="16" name="Rectangle: Rounded Corners 15">
-            <a:extLst>
-              <a:ext uri="{FF2B5EF4-FFF2-40B4-BE49-F238E27FC236}">
-                <a16:creationId xmlns:a16="http://schemas.microsoft.com/office/drawing/2014/main" id="{5C1939C3-6746-4232-33FE-C5D3C0F217D7}"/>
-              </a:ext>
-            </a:extLst>
-          </p:cNvPr>
-          <p:cNvSpPr/>
-          <p:nvPr/>
-        </p:nvSpPr>
-        <p:spPr>
-          <a:xfrm>
-            <a:off x="1932731" y="3691801"/>
-            <a:ext cx="2034988" cy="1228164"/>
-          </a:xfrm>
-          <a:prstGeom prst="roundRect">
-            <a:avLst/>
-          </a:prstGeom>
-          <a:solidFill>
-            <a:schemeClr val="accent6">
-              <a:lumMod val="60000"/>
-              <a:lumOff val="40000"/>
-            </a:schemeClr>
-          </a:solidFill>
-          <a:ln>
-            <a:noFill/>
-          </a:ln>
-        </p:spPr>
-        <p:style>
-          <a:lnRef idx="2">
-            <a:schemeClr val="accent1">
-              <a:shade val="15000"/>
-            </a:schemeClr>
-          </a:lnRef>
-          <a:fillRef idx="1">
-            <a:schemeClr val="accent1"/>
-          </a:fillRef>
-          <a:effectRef idx="0">
-            <a:schemeClr val="accent1"/>
-          </a:effectRef>
-          <a:fontRef idx="minor">
-            <a:schemeClr val="lt1"/>
-          </a:fontRef>
-        </p:style>
-        <p:txBody>
-          <a:bodyPr rtlCol="0" anchor="ctr"/>
-          <a:lstStyle/>
-          <a:p>
-            <a:pPr algn="ctr"/>
-            <a:endParaRPr lang="en-NL" dirty="0"/>
-          </a:p>
-        </p:txBody>
-      </p:sp>
-      <p:pic>
-        <p:nvPicPr>
-          <p:cNvPr id="17" name="Graphic 16" descr="Hospital with solid fill">
-            <a:extLst>
-              <a:ext uri="{FF2B5EF4-FFF2-40B4-BE49-F238E27FC236}">
-                <a16:creationId xmlns:a16="http://schemas.microsoft.com/office/drawing/2014/main" id="{7068F91B-45B6-2A8B-EA27-CFA03B37788B}"/>
-              </a:ext>
-            </a:extLst>
-          </p:cNvPr>
-          <p:cNvPicPr>
-            <a:picLocks noChangeAspect="1"/>
-          </p:cNvPicPr>
-          <p:nvPr/>
-        </p:nvPicPr>
-        <p:blipFill>
-          <a:blip r:embed="rId2">
-            <a:extLst>
-              <a:ext uri="{96DAC541-7B7A-43D3-8B79-37D633B846F1}">
-                <asvg:svgBlip xmlns:asvg="http://schemas.microsoft.com/office/drawing/2016/SVG/main" r:embed="rId3"/>
-              </a:ext>
-            </a:extLst>
-          </a:blip>
-          <a:stretch>
-            <a:fillRect/>
-          </a:stretch>
-        </p:blipFill>
-        <p:spPr>
-          <a:xfrm>
-            <a:off x="2003753" y="3831830"/>
-            <a:ext cx="536362" cy="536362"/>
-          </a:xfrm>
-          <a:prstGeom prst="rect">
-            <a:avLst/>
-          </a:prstGeom>
-        </p:spPr>
-      </p:pic>
-      <p:graphicFrame>
-        <p:nvGraphicFramePr>
-          <p:cNvPr id="18" name="Table 17">
-            <a:extLst>
-              <a:ext uri="{FF2B5EF4-FFF2-40B4-BE49-F238E27FC236}">
-                <a16:creationId xmlns:a16="http://schemas.microsoft.com/office/drawing/2014/main" id="{51CFD2AA-ED66-6697-8C60-580B473E9BFC}"/>
-              </a:ext>
-            </a:extLst>
-          </p:cNvPr>
-          <p:cNvGraphicFramePr>
-            <a:graphicFrameLocks noGrp="1"/>
-          </p:cNvGraphicFramePr>
-          <p:nvPr>
-            <p:extLst>
-              <p:ext uri="{D42A27DB-BD31-4B8C-83A1-F6EECF244321}">
-                <p14:modId xmlns:p14="http://schemas.microsoft.com/office/powerpoint/2010/main" val="4175461811"/>
-              </p:ext>
-            </p:extLst>
-          </p:nvPr>
-        </p:nvGraphicFramePr>
-        <p:xfrm>
-          <a:off x="2611137" y="3971325"/>
-          <a:ext cx="1095921" cy="334558"/>
-        </p:xfrm>
-        <a:graphic>
-          <a:graphicData uri="http://schemas.openxmlformats.org/drawingml/2006/table">
-            <a:tbl>
-              <a:tblPr firstRow="1" bandRow="1">
-                <a:tableStyleId>{284E427A-3D55-4303-BF80-6455036E1DE7}</a:tableStyleId>
-              </a:tblPr>
-              <a:tblGrid>
-                <a:gridCol w="570475">
-                  <a:extLst>
-                    <a:ext uri="{9D8B030D-6E8A-4147-A177-3AD203B41FA5}">
-                      <a16:colId xmlns:a16="http://schemas.microsoft.com/office/drawing/2014/main" val="1238794820"/>
-                    </a:ext>
-                  </a:extLst>
-                </a:gridCol>
-                <a:gridCol w="228600">
-                  <a:extLst>
-                    <a:ext uri="{9D8B030D-6E8A-4147-A177-3AD203B41FA5}">
-                      <a16:colId xmlns:a16="http://schemas.microsoft.com/office/drawing/2014/main" val="3879858912"/>
-                    </a:ext>
-                  </a:extLst>
-                </a:gridCol>
-                <a:gridCol w="296846">
-                  <a:extLst>
-                    <a:ext uri="{9D8B030D-6E8A-4147-A177-3AD203B41FA5}">
-                      <a16:colId xmlns:a16="http://schemas.microsoft.com/office/drawing/2014/main" val="588063147"/>
-                    </a:ext>
-                  </a:extLst>
-                </a:gridCol>
-              </a:tblGrid>
-              <a:tr h="167279">
-                <a:tc>
-                  <a:txBody>
-                    <a:bodyPr/>
-                    <a:lstStyle/>
-                    <a:p>
-                      <a:r>
-                        <a:rPr lang="en-US" sz="1000" b="0" dirty="0">
-                          <a:solidFill>
-                            <a:schemeClr val="tx1"/>
-                          </a:solidFill>
-                        </a:rPr>
-                        <a:t>Cunliang</a:t>
-                      </a:r>
-                      <a:endParaRPr lang="en-NL" sz="1000" b="0" dirty="0">
-                        <a:solidFill>
-                          <a:schemeClr val="tx1"/>
-                        </a:solidFill>
-                      </a:endParaRPr>
-                    </a:p>
-                  </a:txBody>
-                  <a:tcPr marL="72000" marR="0" marT="0" marB="0" anchor="ctr">
-                    <a:solidFill>
-                      <a:schemeClr val="accent2">
-                        <a:lumMod val="60000"/>
-                        <a:lumOff val="40000"/>
-                      </a:schemeClr>
-                    </a:solidFill>
-                  </a:tcPr>
-                </a:tc>
-                <a:tc>
-                  <a:txBody>
-                    <a:bodyPr/>
-                    <a:lstStyle/>
-                    <a:p>
-                      <a:r>
-                        <a:rPr lang="en-US" sz="1000" b="0" dirty="0">
-                          <a:solidFill>
-                            <a:schemeClr val="tx1"/>
-                          </a:solidFill>
-                        </a:rPr>
-                        <a:t>36</a:t>
-                      </a:r>
-                      <a:endParaRPr lang="en-NL" sz="1000" b="0" dirty="0">
-                        <a:solidFill>
-                          <a:schemeClr val="tx1"/>
-                        </a:solidFill>
-                      </a:endParaRPr>
-                    </a:p>
-                  </a:txBody>
-                  <a:tcPr marL="72000" marR="0" marT="0" marB="0" anchor="ctr">
-                    <a:solidFill>
-                      <a:schemeClr val="accent2">
-                        <a:lumMod val="60000"/>
-                        <a:lumOff val="40000"/>
-                      </a:schemeClr>
-                    </a:solidFill>
-                  </a:tcPr>
-                </a:tc>
-                <a:tc>
-                  <a:txBody>
-                    <a:bodyPr/>
-                    <a:lstStyle/>
-                    <a:p>
-                      <a:r>
-                        <a:rPr lang="en-US" sz="1000" b="0" dirty="0">
-                          <a:solidFill>
-                            <a:schemeClr val="tx1"/>
-                          </a:solidFill>
-                        </a:rPr>
-                        <a:t>175</a:t>
-                      </a:r>
-                      <a:endParaRPr lang="en-NL" sz="1000" b="0" dirty="0">
-                        <a:solidFill>
-                          <a:schemeClr val="tx1"/>
-                        </a:solidFill>
-                      </a:endParaRPr>
-                    </a:p>
-                  </a:txBody>
-                  <a:tcPr marL="72000" marR="0" marT="0" marB="0" anchor="ctr">
-                    <a:solidFill>
-                      <a:schemeClr val="accent2">
-                        <a:lumMod val="60000"/>
-                        <a:lumOff val="40000"/>
-                      </a:schemeClr>
-                    </a:solidFill>
-                  </a:tcPr>
-                </a:tc>
-                <a:extLst>
-                  <a:ext uri="{0D108BD9-81ED-4DB2-BD59-A6C34878D82A}">
-                    <a16:rowId xmlns:a16="http://schemas.microsoft.com/office/drawing/2014/main" val="4199826510"/>
-                  </a:ext>
-                </a:extLst>
-              </a:tr>
-              <a:tr h="167279">
-                <a:tc>
-                  <a:txBody>
-                    <a:bodyPr/>
-                    <a:lstStyle/>
-                    <a:p>
-                      <a:r>
-                        <a:rPr lang="en-US" sz="1000" b="0" dirty="0">
-                          <a:solidFill>
-                            <a:schemeClr val="tx1"/>
-                          </a:solidFill>
-                        </a:rPr>
-                        <a:t>Giulia</a:t>
-                      </a:r>
-                      <a:endParaRPr lang="en-NL" sz="1000" b="0" dirty="0">
-                        <a:solidFill>
-                          <a:schemeClr val="tx1"/>
-                        </a:solidFill>
-                      </a:endParaRPr>
-                    </a:p>
-                  </a:txBody>
-                  <a:tcPr marL="72000" marR="0" marT="0" marB="0" anchor="ctr">
-                    <a:solidFill>
-                      <a:schemeClr val="accent2">
-                        <a:lumMod val="20000"/>
-                        <a:lumOff val="80000"/>
-                        <a:alpha val="40000"/>
-                      </a:schemeClr>
-                    </a:solidFill>
-                  </a:tcPr>
-                </a:tc>
-                <a:tc>
-                  <a:txBody>
-                    <a:bodyPr/>
-                    <a:lstStyle/>
-                    <a:p>
-                      <a:r>
-                        <a:rPr lang="en-US" sz="1000" b="0" dirty="0">
-                          <a:solidFill>
-                            <a:schemeClr val="tx1"/>
-                          </a:solidFill>
-                        </a:rPr>
-                        <a:t>40</a:t>
-                      </a:r>
-                      <a:endParaRPr lang="en-NL" sz="1000" b="0" dirty="0">
-                        <a:solidFill>
-                          <a:schemeClr val="tx1"/>
-                        </a:solidFill>
-                      </a:endParaRPr>
-                    </a:p>
-                  </a:txBody>
-                  <a:tcPr marL="72000" marR="0" marT="0" marB="0" anchor="ctr">
-                    <a:solidFill>
-                      <a:schemeClr val="accent2">
-                        <a:lumMod val="20000"/>
-                        <a:lumOff val="80000"/>
-                        <a:alpha val="40000"/>
-                      </a:schemeClr>
-                    </a:solidFill>
-                  </a:tcPr>
-                </a:tc>
-                <a:tc>
-                  <a:txBody>
-                    <a:bodyPr/>
-                    <a:lstStyle/>
-                    <a:p>
-                      <a:r>
-                        <a:rPr lang="en-US" sz="1000" b="0" dirty="0">
-                          <a:solidFill>
-                            <a:schemeClr val="tx1"/>
-                          </a:solidFill>
-                        </a:rPr>
-                        <a:t>172</a:t>
-                      </a:r>
-                      <a:endParaRPr lang="en-NL" sz="1000" b="0" dirty="0">
-                        <a:solidFill>
-                          <a:schemeClr val="tx1"/>
-                        </a:solidFill>
-                      </a:endParaRPr>
-                    </a:p>
-                  </a:txBody>
-                  <a:tcPr marL="72000" marR="0" marT="0" marB="0" anchor="ctr">
-                    <a:solidFill>
-                      <a:schemeClr val="accent2">
-                        <a:lumMod val="20000"/>
-                        <a:lumOff val="80000"/>
-                        <a:alpha val="40000"/>
-                      </a:schemeClr>
-                    </a:solidFill>
-                  </a:tcPr>
-                </a:tc>
-                <a:extLst>
-                  <a:ext uri="{0D108BD9-81ED-4DB2-BD59-A6C34878D82A}">
-                    <a16:rowId xmlns:a16="http://schemas.microsoft.com/office/drawing/2014/main" val="3225270738"/>
-                  </a:ext>
-                </a:extLst>
-              </a:tr>
-            </a:tbl>
-          </a:graphicData>
-        </a:graphic>
-      </p:graphicFrame>
-      <p:grpSp>
-        <p:nvGrpSpPr>
-          <p:cNvPr id="19" name="Group 18">
-            <a:extLst>
-              <a:ext uri="{FF2B5EF4-FFF2-40B4-BE49-F238E27FC236}">
-                <a16:creationId xmlns:a16="http://schemas.microsoft.com/office/drawing/2014/main" id="{7D7D764B-439A-1D2D-6308-25C0A325D386}"/>
-              </a:ext>
-            </a:extLst>
-          </p:cNvPr>
-          <p:cNvGrpSpPr/>
-          <p:nvPr/>
-        </p:nvGrpSpPr>
-        <p:grpSpPr>
-          <a:xfrm>
-            <a:off x="2061322" y="4249225"/>
-            <a:ext cx="904617" cy="614462"/>
-            <a:chOff x="6684007" y="2862347"/>
-            <a:chExt cx="904617" cy="614462"/>
-          </a:xfrm>
-        </p:grpSpPr>
-        <p:sp>
-          <p:nvSpPr>
-            <p:cNvPr id="20" name="Oval 19">
-              <a:extLst>
-                <a:ext uri="{FF2B5EF4-FFF2-40B4-BE49-F238E27FC236}">
-                  <a16:creationId xmlns:a16="http://schemas.microsoft.com/office/drawing/2014/main" id="{1E3C8860-98B3-BD87-E209-C01874EC69ED}"/>
-                </a:ext>
-              </a:extLst>
-            </p:cNvPr>
-            <p:cNvSpPr/>
-            <p:nvPr/>
-          </p:nvSpPr>
-          <p:spPr>
-            <a:xfrm>
-              <a:off x="6828260" y="2862347"/>
-              <a:ext cx="616112" cy="614462"/>
-            </a:xfrm>
-            <a:prstGeom prst="ellipse">
-              <a:avLst/>
-            </a:prstGeom>
-            <a:solidFill>
-              <a:schemeClr val="accent2">
-                <a:lumMod val="40000"/>
-                <a:lumOff val="60000"/>
-              </a:schemeClr>
-            </a:solidFill>
-            <a:ln>
-              <a:noFill/>
-            </a:ln>
-          </p:spPr>
-          <p:style>
-            <a:lnRef idx="2">
-              <a:schemeClr val="accent1">
-                <a:shade val="15000"/>
-              </a:schemeClr>
-            </a:lnRef>
-            <a:fillRef idx="1">
-              <a:schemeClr val="accent1"/>
-            </a:fillRef>
-            <a:effectRef idx="0">
-              <a:schemeClr val="accent1"/>
-            </a:effectRef>
-            <a:fontRef idx="minor">
-              <a:schemeClr val="lt1"/>
-            </a:fontRef>
-          </p:style>
-          <p:txBody>
-            <a:bodyPr lIns="0" rIns="0" rtlCol="0" anchor="ctr"/>
-            <a:lstStyle/>
-            <a:p>
-              <a:pPr algn="ctr"/>
-              <a:endParaRPr lang="en-NL" sz="900" dirty="0">
-                <a:solidFill>
-                  <a:schemeClr val="tx1"/>
-                </a:solidFill>
-              </a:endParaRPr>
-            </a:p>
-          </p:txBody>
-        </p:sp>
-        <mc:AlternateContent xmlns:mc="http://schemas.openxmlformats.org/markup-compatibility/2006">
-          <mc:Choice xmlns:a14="http://schemas.microsoft.com/office/drawing/2010/main" Requires="a14">
-            <p:sp>
-              <p:nvSpPr>
-                <p:cNvPr id="21" name="TextBox 20">
-                  <a:extLst>
-                    <a:ext uri="{FF2B5EF4-FFF2-40B4-BE49-F238E27FC236}">
-                      <a16:creationId xmlns:a16="http://schemas.microsoft.com/office/drawing/2014/main" id="{FAA51C57-5F7D-B799-80DC-759EDCE01526}"/>
-                    </a:ext>
-                  </a:extLst>
-                </p:cNvPr>
-                <p:cNvSpPr txBox="1"/>
-                <p:nvPr/>
-              </p:nvSpPr>
-              <p:spPr>
-                <a:xfrm>
-                  <a:off x="6684007" y="3007128"/>
-                  <a:ext cx="904617" cy="400110"/>
-                </a:xfrm>
-                <a:prstGeom prst="rect">
-                  <a:avLst/>
-                </a:prstGeom>
-                <a:noFill/>
-              </p:spPr>
-              <p:txBody>
-                <a:bodyPr wrap="square" rtlCol="0">
-                  <a:spAutoFit/>
-                </a:bodyPr>
-                <a:lstStyle/>
-                <a:p>
-                  <a14:m>
-                    <m:oMathPara xmlns:m="http://schemas.openxmlformats.org/officeDocument/2006/math">
-                      <m:oMathParaPr>
-                        <m:jc m:val="centerGroup"/>
-                      </m:oMathParaPr>
-                      <m:oMath xmlns:m="http://schemas.openxmlformats.org/officeDocument/2006/math">
-                        <m:r>
-                          <a:rPr lang="en-US" sz="1000" b="0" i="1" smtClean="0">
-                            <a:solidFill>
-                              <a:schemeClr val="tx1"/>
-                            </a:solidFill>
-                            <a:latin typeface="Cambria Math" panose="02040503050406030204" pitchFamily="18" charset="0"/>
-                          </a:rPr>
-                          <m:t>𝑓</m:t>
-                        </m:r>
-                        <m:d>
-                          <m:dPr>
-                            <m:ctrlPr>
-                              <a:rPr lang="en-US" sz="1000" b="0" i="1" smtClean="0">
-                                <a:solidFill>
-                                  <a:schemeClr val="tx1"/>
-                                </a:solidFill>
-                                <a:latin typeface="Cambria Math" panose="02040503050406030204" pitchFamily="18" charset="0"/>
-                              </a:rPr>
-                            </m:ctrlPr>
-                          </m:dPr>
-                          <m:e>
-                            <m:sSub>
-                              <m:sSubPr>
-                                <m:ctrlPr>
-                                  <a:rPr lang="en-US" sz="1000" b="0" i="1" smtClean="0">
-                                    <a:solidFill>
-                                      <a:schemeClr val="tx1"/>
-                                    </a:solidFill>
-                                    <a:latin typeface="Cambria Math" panose="02040503050406030204" pitchFamily="18" charset="0"/>
-                                  </a:rPr>
-                                </m:ctrlPr>
-                              </m:sSubPr>
-                              <m:e>
-                                <m:r>
-                                  <a:rPr lang="en-US" sz="1000" b="0" i="1" smtClean="0">
-                                    <a:solidFill>
-                                      <a:schemeClr val="tx1"/>
-                                    </a:solidFill>
-                                    <a:latin typeface="Cambria Math" panose="02040503050406030204" pitchFamily="18" charset="0"/>
-                                  </a:rPr>
-                                  <m:t>𝑥</m:t>
-                                </m:r>
-                              </m:e>
-                              <m:sub>
-                                <m:r>
-                                  <a:rPr lang="en-US" sz="1000" b="0" i="1" smtClean="0">
-                                    <a:solidFill>
-                                      <a:schemeClr val="tx1"/>
-                                    </a:solidFill>
-                                    <a:latin typeface="Cambria Math" panose="02040503050406030204" pitchFamily="18" charset="0"/>
-                                  </a:rPr>
-                                  <m:t>2</m:t>
-                                </m:r>
-                              </m:sub>
-                            </m:sSub>
-                          </m:e>
-                        </m:d>
-                        <m:r>
-                          <a:rPr lang="en-US" sz="1000" b="0" i="1" smtClean="0">
-                            <a:solidFill>
-                              <a:schemeClr val="tx1"/>
-                            </a:solidFill>
-                            <a:latin typeface="Cambria Math" panose="02040503050406030204" pitchFamily="18" charset="0"/>
-                          </a:rPr>
-                          <m:t>=</m:t>
-                        </m:r>
-                        <m:sSub>
-                          <m:sSubPr>
-                            <m:ctrlPr>
-                              <a:rPr lang="en-US" sz="1000" b="0" i="1" smtClean="0">
-                                <a:solidFill>
-                                  <a:schemeClr val="tx1"/>
-                                </a:solidFill>
-                                <a:latin typeface="Cambria Math" panose="02040503050406030204" pitchFamily="18" charset="0"/>
-                              </a:rPr>
-                            </m:ctrlPr>
-                          </m:sSubPr>
-                          <m:e>
-                            <m:r>
-                              <a:rPr lang="en-US" sz="1000" b="0" i="1" smtClean="0">
-                                <a:solidFill>
-                                  <a:schemeClr val="tx1"/>
-                                </a:solidFill>
-                                <a:latin typeface="Cambria Math" panose="02040503050406030204" pitchFamily="18" charset="0"/>
-                              </a:rPr>
-                              <m:t>𝑦</m:t>
-                            </m:r>
-                          </m:e>
-                          <m:sub>
-                            <m:r>
-                              <a:rPr lang="en-US" sz="1000" b="0" i="1" smtClean="0">
-                                <a:solidFill>
-                                  <a:schemeClr val="tx1"/>
-                                </a:solidFill>
-                                <a:latin typeface="Cambria Math" panose="02040503050406030204" pitchFamily="18" charset="0"/>
-                              </a:rPr>
-                              <m:t>2</m:t>
-                            </m:r>
-                          </m:sub>
-                        </m:sSub>
-                      </m:oMath>
-                    </m:oMathPara>
-                  </a14:m>
-                  <a:endParaRPr lang="en-NL" sz="1000" dirty="0">
-                    <a:solidFill>
-                      <a:schemeClr val="tx1"/>
-                    </a:solidFill>
-                  </a:endParaRPr>
-                </a:p>
-                <a:p>
-                  <a:endParaRPr lang="en-NL" sz="1000" dirty="0"/>
-                </a:p>
-              </p:txBody>
-            </p:sp>
-          </mc:Choice>
-          <mc:Fallback>
-            <p:sp>
-              <p:nvSpPr>
-                <p:cNvPr id="21" name="TextBox 20">
-                  <a:extLst>
-                    <a:ext uri="{FF2B5EF4-FFF2-40B4-BE49-F238E27FC236}">
-                      <a16:creationId xmlns:a16="http://schemas.microsoft.com/office/drawing/2014/main" id="{FAA51C57-5F7D-B799-80DC-759EDCE01526}"/>
-                    </a:ext>
-                  </a:extLst>
-                </p:cNvPr>
-                <p:cNvSpPr txBox="1">
-                  <a:spLocks noRot="1" noChangeAspect="1" noMove="1" noResize="1" noEditPoints="1" noAdjustHandles="1" noChangeArrowheads="1" noChangeShapeType="1" noTextEdit="1"/>
-                </p:cNvSpPr>
-                <p:nvPr/>
-              </p:nvSpPr>
-              <p:spPr>
-                <a:xfrm>
-                  <a:off x="6684007" y="3007128"/>
-                  <a:ext cx="904617" cy="400110"/>
-                </a:xfrm>
-                <a:prstGeom prst="rect">
-                  <a:avLst/>
-                </a:prstGeom>
-                <a:blipFill>
-                  <a:blip r:embed="rId5"/>
-                  <a:stretch>
-                    <a:fillRect/>
-                  </a:stretch>
-                </a:blipFill>
-              </p:spPr>
-              <p:txBody>
-                <a:bodyPr/>
-                <a:lstStyle/>
-                <a:p>
-                  <a:r>
-                    <a:rPr lang="en-NL">
-                      <a:noFill/>
-                    </a:rPr>
-                    <a:t> </a:t>
-                  </a:r>
-                </a:p>
-              </p:txBody>
-            </p:sp>
-          </mc:Fallback>
-        </mc:AlternateContent>
-      </p:grpSp>
-      <p:sp>
-        <p:nvSpPr>
-          <p:cNvPr id="22" name="TextBox 21">
-            <a:extLst>
-              <a:ext uri="{FF2B5EF4-FFF2-40B4-BE49-F238E27FC236}">
-                <a16:creationId xmlns:a16="http://schemas.microsoft.com/office/drawing/2014/main" id="{D3EAD0C6-EF89-AF02-EC66-327B955E3716}"/>
-              </a:ext>
-            </a:extLst>
-          </p:cNvPr>
-          <p:cNvSpPr txBox="1"/>
-          <p:nvPr/>
-        </p:nvSpPr>
-        <p:spPr>
-          <a:xfrm>
-            <a:off x="3023935" y="4556456"/>
-            <a:ext cx="904617" cy="369332"/>
-          </a:xfrm>
-          <a:prstGeom prst="rect">
-            <a:avLst/>
-          </a:prstGeom>
-          <a:noFill/>
-        </p:spPr>
-        <p:txBody>
-          <a:bodyPr wrap="square" rtlCol="0">
-            <a:spAutoFit/>
-          </a:bodyPr>
-          <a:lstStyle/>
-          <a:p>
-            <a:r>
-              <a:rPr lang="en-US" b="1" dirty="0">
-                <a:solidFill>
-                  <a:schemeClr val="bg1"/>
-                </a:solidFill>
-              </a:rPr>
-              <a:t>Node 2</a:t>
-            </a:r>
-            <a:endParaRPr lang="en-NL" b="1" dirty="0">
-              <a:solidFill>
-                <a:schemeClr val="bg1"/>
-              </a:solidFill>
-            </a:endParaRPr>
-          </a:p>
-        </p:txBody>
-      </p:sp>
-      <p:grpSp>
-        <p:nvGrpSpPr>
-          <p:cNvPr id="53" name="Group 52">
-            <a:extLst>
-              <a:ext uri="{FF2B5EF4-FFF2-40B4-BE49-F238E27FC236}">
-                <a16:creationId xmlns:a16="http://schemas.microsoft.com/office/drawing/2014/main" id="{1AEB037A-C695-98E0-F2A0-3683BDC06B34}"/>
-              </a:ext>
-            </a:extLst>
-          </p:cNvPr>
-          <p:cNvGrpSpPr/>
-          <p:nvPr/>
-        </p:nvGrpSpPr>
-        <p:grpSpPr>
-          <a:xfrm>
-            <a:off x="6521015" y="2057975"/>
-            <a:ext cx="2034988" cy="1233987"/>
-            <a:chOff x="5078506" y="2134592"/>
-            <a:chExt cx="2034988" cy="1233987"/>
-          </a:xfrm>
-        </p:grpSpPr>
-        <p:sp>
-          <p:nvSpPr>
-            <p:cNvPr id="23" name="Rectangle: Rounded Corners 22">
-              <a:extLst>
-                <a:ext uri="{FF2B5EF4-FFF2-40B4-BE49-F238E27FC236}">
-                  <a16:creationId xmlns:a16="http://schemas.microsoft.com/office/drawing/2014/main" id="{21D13289-A457-6DF0-8E47-D7468F10C68B}"/>
-                </a:ext>
-              </a:extLst>
-            </p:cNvPr>
-            <p:cNvSpPr/>
-            <p:nvPr/>
-          </p:nvSpPr>
-          <p:spPr>
-            <a:xfrm>
-              <a:off x="5078506" y="2134592"/>
-              <a:ext cx="2034988" cy="1228164"/>
-            </a:xfrm>
-            <a:prstGeom prst="roundRect">
-              <a:avLst/>
-            </a:prstGeom>
-            <a:solidFill>
-              <a:schemeClr val="accent6">
-                <a:lumMod val="60000"/>
-                <a:lumOff val="40000"/>
-              </a:schemeClr>
-            </a:solidFill>
-            <a:ln>
-              <a:noFill/>
-            </a:ln>
-          </p:spPr>
-          <p:style>
-            <a:lnRef idx="2">
-              <a:schemeClr val="accent1">
-                <a:shade val="15000"/>
-              </a:schemeClr>
-            </a:lnRef>
-            <a:fillRef idx="1">
-              <a:schemeClr val="accent1"/>
-            </a:fillRef>
-            <a:effectRef idx="0">
-              <a:schemeClr val="accent1"/>
-            </a:effectRef>
-            <a:fontRef idx="minor">
-              <a:schemeClr val="lt1"/>
-            </a:fontRef>
-          </p:style>
-          <p:txBody>
-            <a:bodyPr rtlCol="0" anchor="ctr"/>
-            <a:lstStyle/>
-            <a:p>
-              <a:pPr algn="ctr"/>
-              <a:endParaRPr lang="en-NL" dirty="0"/>
-            </a:p>
-          </p:txBody>
-        </p:sp>
-        <p:pic>
-          <p:nvPicPr>
-            <p:cNvPr id="24" name="Graphic 23" descr="Hospital with solid fill">
-              <a:extLst>
-                <a:ext uri="{FF2B5EF4-FFF2-40B4-BE49-F238E27FC236}">
-                  <a16:creationId xmlns:a16="http://schemas.microsoft.com/office/drawing/2014/main" id="{CBB9D7AE-5200-2B0B-DFEC-9489339F03A4}"/>
-                </a:ext>
-              </a:extLst>
-            </p:cNvPr>
-            <p:cNvPicPr>
-              <a:picLocks noChangeAspect="1"/>
-            </p:cNvPicPr>
-            <p:nvPr/>
-          </p:nvPicPr>
-          <p:blipFill>
-            <a:blip r:embed="rId2">
-              <a:extLst>
-                <a:ext uri="{96DAC541-7B7A-43D3-8B79-37D633B846F1}">
-                  <asvg:svgBlip xmlns:asvg="http://schemas.microsoft.com/office/drawing/2016/SVG/main" r:embed="rId3"/>
-                </a:ext>
-              </a:extLst>
-            </a:blip>
-            <a:stretch>
-              <a:fillRect/>
-            </a:stretch>
-          </p:blipFill>
-          <p:spPr>
-            <a:xfrm>
-              <a:off x="6335440" y="2340609"/>
-              <a:ext cx="536362" cy="536362"/>
-            </a:xfrm>
-            <a:prstGeom prst="rect">
-              <a:avLst/>
-            </a:prstGeom>
-          </p:spPr>
-        </p:pic>
-        <p:grpSp>
-          <p:nvGrpSpPr>
-            <p:cNvPr id="26" name="Group 25">
-              <a:extLst>
-                <a:ext uri="{FF2B5EF4-FFF2-40B4-BE49-F238E27FC236}">
-                  <a16:creationId xmlns:a16="http://schemas.microsoft.com/office/drawing/2014/main" id="{B1B16234-718B-EB92-2A5B-66BC2D1A5158}"/>
-                </a:ext>
-              </a:extLst>
-            </p:cNvPr>
-            <p:cNvGrpSpPr/>
-            <p:nvPr/>
-          </p:nvGrpSpPr>
-          <p:grpSpPr>
-            <a:xfrm>
-              <a:off x="5616398" y="2378962"/>
-              <a:ext cx="904617" cy="614462"/>
-              <a:chOff x="6684007" y="2862347"/>
-              <a:chExt cx="904617" cy="614462"/>
-            </a:xfrm>
-          </p:grpSpPr>
-          <p:sp>
-            <p:nvSpPr>
-              <p:cNvPr id="27" name="Oval 26">
-                <a:extLst>
-                  <a:ext uri="{FF2B5EF4-FFF2-40B4-BE49-F238E27FC236}">
-                    <a16:creationId xmlns:a16="http://schemas.microsoft.com/office/drawing/2014/main" id="{4575DE08-E133-BD6A-FF5B-FE015BA933B4}"/>
-                  </a:ext>
-                </a:extLst>
-              </p:cNvPr>
-              <p:cNvSpPr/>
-              <p:nvPr/>
-            </p:nvSpPr>
-            <p:spPr>
-              <a:xfrm>
-                <a:off x="6828260" y="2862347"/>
-                <a:ext cx="616112" cy="614462"/>
-              </a:xfrm>
-              <a:prstGeom prst="ellipse">
-                <a:avLst/>
-              </a:prstGeom>
-              <a:solidFill>
-                <a:srgbClr val="F2CFEF"/>
-              </a:solidFill>
-              <a:ln>
-                <a:noFill/>
-              </a:ln>
-            </p:spPr>
-            <p:style>
-              <a:lnRef idx="2">
-                <a:schemeClr val="accent1">
-                  <a:shade val="15000"/>
-                </a:schemeClr>
-              </a:lnRef>
-              <a:fillRef idx="1">
-                <a:schemeClr val="accent1"/>
-              </a:fillRef>
-              <a:effectRef idx="0">
-                <a:schemeClr val="accent1"/>
-              </a:effectRef>
-              <a:fontRef idx="minor">
-                <a:schemeClr val="lt1"/>
-              </a:fontRef>
-            </p:style>
-            <p:txBody>
-              <a:bodyPr lIns="0" rIns="0" rtlCol="0" anchor="ctr"/>
-              <a:lstStyle/>
-              <a:p>
-                <a:pPr algn="ctr"/>
-                <a:endParaRPr lang="en-NL" sz="900" dirty="0">
-                  <a:solidFill>
-                    <a:schemeClr val="tx1"/>
-                  </a:solidFill>
-                </a:endParaRPr>
-              </a:p>
-            </p:txBody>
-          </p:sp>
-          <mc:AlternateContent xmlns:mc="http://schemas.openxmlformats.org/markup-compatibility/2006">
-            <mc:Choice xmlns:a14="http://schemas.microsoft.com/office/drawing/2010/main" Requires="a14">
-              <p:sp>
-                <p:nvSpPr>
-                  <p:cNvPr id="28" name="TextBox 27">
-                    <a:extLst>
-                      <a:ext uri="{FF2B5EF4-FFF2-40B4-BE49-F238E27FC236}">
-                        <a16:creationId xmlns:a16="http://schemas.microsoft.com/office/drawing/2014/main" id="{1A9AD91D-CB54-9E36-B2B3-28D5A5E0E32C}"/>
-                      </a:ext>
-                    </a:extLst>
-                  </p:cNvPr>
-                  <p:cNvSpPr txBox="1"/>
-                  <p:nvPr/>
-                </p:nvSpPr>
-                <p:spPr>
-                  <a:xfrm>
-                    <a:off x="6684007" y="3007128"/>
-                    <a:ext cx="904617" cy="400110"/>
-                  </a:xfrm>
-                  <a:prstGeom prst="rect">
-                    <a:avLst/>
-                  </a:prstGeom>
-                  <a:noFill/>
-                </p:spPr>
-                <p:txBody>
-                  <a:bodyPr wrap="square" rtlCol="0">
-                    <a:spAutoFit/>
-                  </a:bodyPr>
-                  <a:lstStyle/>
-                  <a:p>
-                    <a14:m>
-                      <m:oMathPara xmlns:m="http://schemas.openxmlformats.org/officeDocument/2006/math">
-                        <m:oMathParaPr>
-                          <m:jc m:val="centerGroup"/>
-                        </m:oMathParaPr>
-                        <m:oMath xmlns:m="http://schemas.openxmlformats.org/officeDocument/2006/math">
-                          <m:sSub>
-                            <m:sSubPr>
-                              <m:ctrlPr>
-                                <a:rPr lang="en-US" sz="1000" i="1" smtClean="0">
-                                  <a:latin typeface="Cambria Math" panose="02040503050406030204" pitchFamily="18" charset="0"/>
-                                </a:rPr>
-                              </m:ctrlPr>
-                            </m:sSubPr>
-                            <m:e>
-                              <m:r>
-                                <a:rPr lang="en-US" sz="1000" i="1">
-                                  <a:latin typeface="Cambria Math" panose="02040503050406030204" pitchFamily="18" charset="0"/>
-                                </a:rPr>
-                                <m:t>𝑦</m:t>
-                              </m:r>
-                            </m:e>
-                            <m:sub>
-                              <m:r>
-                                <a:rPr lang="en-US" sz="1000" i="1">
-                                  <a:latin typeface="Cambria Math" panose="02040503050406030204" pitchFamily="18" charset="0"/>
-                                </a:rPr>
-                                <m:t>1</m:t>
-                              </m:r>
-                            </m:sub>
-                          </m:sSub>
-                          <m:r>
-                            <a:rPr lang="en-US" sz="1000" b="0" i="1" smtClean="0">
-                              <a:latin typeface="Cambria Math" panose="02040503050406030204" pitchFamily="18" charset="0"/>
-                            </a:rPr>
-                            <m:t>+</m:t>
-                          </m:r>
-                          <m:sSub>
-                            <m:sSubPr>
-                              <m:ctrlPr>
-                                <a:rPr lang="en-US" sz="1000" b="0" i="1" smtClean="0">
-                                  <a:solidFill>
-                                    <a:schemeClr val="tx1"/>
-                                  </a:solidFill>
-                                  <a:latin typeface="Cambria Math" panose="02040503050406030204" pitchFamily="18" charset="0"/>
-                                </a:rPr>
-                              </m:ctrlPr>
-                            </m:sSubPr>
-                            <m:e>
-                              <m:r>
-                                <a:rPr lang="en-US" sz="1000" b="0" i="1" smtClean="0">
-                                  <a:solidFill>
-                                    <a:schemeClr val="tx1"/>
-                                  </a:solidFill>
-                                  <a:latin typeface="Cambria Math" panose="02040503050406030204" pitchFamily="18" charset="0"/>
-                                </a:rPr>
-                                <m:t>𝑦</m:t>
-                              </m:r>
-                            </m:e>
-                            <m:sub>
-                              <m:r>
-                                <a:rPr lang="en-US" sz="1000" b="0" i="1" smtClean="0">
-                                  <a:solidFill>
-                                    <a:schemeClr val="tx1"/>
-                                  </a:solidFill>
-                                  <a:latin typeface="Cambria Math" panose="02040503050406030204" pitchFamily="18" charset="0"/>
-                                </a:rPr>
-                                <m:t>2</m:t>
-                              </m:r>
-                            </m:sub>
-                          </m:sSub>
-                        </m:oMath>
-                      </m:oMathPara>
-                    </a14:m>
-                    <a:endParaRPr lang="en-NL" sz="1000" dirty="0">
-                      <a:solidFill>
-                        <a:schemeClr val="tx1"/>
-                      </a:solidFill>
-                    </a:endParaRPr>
-                  </a:p>
-                  <a:p>
-                    <a:endParaRPr lang="en-NL" sz="1000" dirty="0"/>
-                  </a:p>
-                </p:txBody>
-              </p:sp>
-            </mc:Choice>
-            <mc:Fallback>
-              <p:sp>
-                <p:nvSpPr>
-                  <p:cNvPr id="28" name="TextBox 27">
-                    <a:extLst>
-                      <a:ext uri="{FF2B5EF4-FFF2-40B4-BE49-F238E27FC236}">
-                        <a16:creationId xmlns:a16="http://schemas.microsoft.com/office/drawing/2014/main" id="{1A9AD91D-CB54-9E36-B2B3-28D5A5E0E32C}"/>
-                      </a:ext>
-                    </a:extLst>
-                  </p:cNvPr>
-                  <p:cNvSpPr txBox="1">
-                    <a:spLocks noRot="1" noChangeAspect="1" noMove="1" noResize="1" noEditPoints="1" noAdjustHandles="1" noChangeArrowheads="1" noChangeShapeType="1" noTextEdit="1"/>
-                  </p:cNvSpPr>
-                  <p:nvPr/>
-                </p:nvSpPr>
-                <p:spPr>
-                  <a:xfrm>
-                    <a:off x="6684007" y="3007128"/>
-                    <a:ext cx="904617" cy="400110"/>
-                  </a:xfrm>
-                  <a:prstGeom prst="rect">
-                    <a:avLst/>
-                  </a:prstGeom>
-                  <a:blipFill>
-                    <a:blip r:embed="rId6"/>
-                    <a:stretch>
-                      <a:fillRect/>
-                    </a:stretch>
-                  </a:blipFill>
-                </p:spPr>
-                <p:txBody>
-                  <a:bodyPr/>
-                  <a:lstStyle/>
-                  <a:p>
-                    <a:r>
-                      <a:rPr lang="en-NL">
-                        <a:noFill/>
-                      </a:rPr>
-                      <a:t> </a:t>
-                    </a:r>
-                  </a:p>
-                </p:txBody>
-              </p:sp>
-            </mc:Fallback>
-          </mc:AlternateContent>
-        </p:grpSp>
-        <p:sp>
-          <p:nvSpPr>
-            <p:cNvPr id="29" name="TextBox 28">
-              <a:extLst>
-                <a:ext uri="{FF2B5EF4-FFF2-40B4-BE49-F238E27FC236}">
-                  <a16:creationId xmlns:a16="http://schemas.microsoft.com/office/drawing/2014/main" id="{C92A107E-130A-F596-3028-E33E5162AA38}"/>
-                </a:ext>
-              </a:extLst>
-            </p:cNvPr>
-            <p:cNvSpPr txBox="1"/>
-            <p:nvPr/>
-          </p:nvSpPr>
-          <p:spPr>
-            <a:xfrm>
-              <a:off x="6169710" y="2999247"/>
-              <a:ext cx="904617" cy="369332"/>
-            </a:xfrm>
-            <a:prstGeom prst="rect">
-              <a:avLst/>
-            </a:prstGeom>
-            <a:noFill/>
-          </p:spPr>
-          <p:txBody>
-            <a:bodyPr wrap="square" rtlCol="0">
-              <a:spAutoFit/>
-            </a:bodyPr>
-            <a:lstStyle/>
-            <a:p>
-              <a:r>
-                <a:rPr lang="en-US" b="1" dirty="0">
-                  <a:solidFill>
-                    <a:schemeClr val="bg1"/>
-                  </a:solidFill>
-                </a:rPr>
-                <a:t>Node 3</a:t>
-              </a:r>
-              <a:endParaRPr lang="en-NL" b="1" dirty="0">
-                <a:solidFill>
-                  <a:schemeClr val="bg1"/>
-                </a:solidFill>
-              </a:endParaRPr>
-            </a:p>
-          </p:txBody>
-        </p:sp>
-      </p:grpSp>
-      <p:sp>
-        <p:nvSpPr>
-          <p:cNvPr id="30" name="Rectangle: Rounded Corners 29">
-            <a:extLst>
-              <a:ext uri="{FF2B5EF4-FFF2-40B4-BE49-F238E27FC236}">
-                <a16:creationId xmlns:a16="http://schemas.microsoft.com/office/drawing/2014/main" id="{9B56C848-E06B-700A-B738-43E7FB76E914}"/>
-              </a:ext>
-            </a:extLst>
-          </p:cNvPr>
-          <p:cNvSpPr/>
-          <p:nvPr/>
-        </p:nvSpPr>
-        <p:spPr>
-          <a:xfrm>
-            <a:off x="5611944" y="4285423"/>
-            <a:ext cx="1776756" cy="923330"/>
-          </a:xfrm>
-          <a:prstGeom prst="roundRect">
-            <a:avLst/>
-          </a:prstGeom>
-          <a:solidFill>
-            <a:srgbClr val="F2CFEF"/>
-          </a:solidFill>
-          <a:ln>
-            <a:noFill/>
-          </a:ln>
-        </p:spPr>
-        <p:style>
-          <a:lnRef idx="2">
-            <a:schemeClr val="accent1">
-              <a:shade val="15000"/>
-            </a:schemeClr>
-          </a:lnRef>
-          <a:fillRef idx="1">
-            <a:schemeClr val="accent1"/>
-          </a:fillRef>
-          <a:effectRef idx="0">
-            <a:schemeClr val="accent1"/>
-          </a:effectRef>
-          <a:fontRef idx="minor">
-            <a:schemeClr val="lt1"/>
-          </a:fontRef>
-        </p:style>
-        <p:txBody>
-          <a:bodyPr rtlCol="0" anchor="ctr"/>
-          <a:lstStyle/>
-          <a:p>
-            <a:pPr algn="ctr"/>
-            <a:endParaRPr lang="en-NL"/>
-          </a:p>
-        </p:txBody>
-      </p:sp>
-      <p:sp>
-        <p:nvSpPr>
-          <p:cNvPr id="31" name="TextBox 30">
-            <a:extLst>
-              <a:ext uri="{FF2B5EF4-FFF2-40B4-BE49-F238E27FC236}">
-                <a16:creationId xmlns:a16="http://schemas.microsoft.com/office/drawing/2014/main" id="{37F178A5-7ED8-D6AE-B612-923C75DB3EA3}"/>
-              </a:ext>
-            </a:extLst>
-          </p:cNvPr>
-          <p:cNvSpPr txBox="1"/>
-          <p:nvPr/>
-        </p:nvSpPr>
-        <p:spPr>
-          <a:xfrm>
-            <a:off x="6122919" y="4539303"/>
-            <a:ext cx="1340686" cy="646331"/>
-          </a:xfrm>
-          <a:prstGeom prst="rect">
-            <a:avLst/>
-          </a:prstGeom>
-          <a:noFill/>
-        </p:spPr>
-        <p:txBody>
-          <a:bodyPr wrap="square" rtlCol="0">
-            <a:spAutoFit/>
-          </a:bodyPr>
-          <a:lstStyle/>
-          <a:p>
-            <a:r>
-              <a:rPr lang="en-US" b="1" dirty="0">
-                <a:solidFill>
-                  <a:schemeClr val="bg1"/>
-                </a:solidFill>
-              </a:rPr>
-              <a:t>Vantage6 server</a:t>
-            </a:r>
-            <a:endParaRPr lang="en-NL" b="1" dirty="0">
-              <a:solidFill>
-                <a:schemeClr val="bg1"/>
-              </a:solidFill>
-            </a:endParaRPr>
-          </a:p>
-        </p:txBody>
-      </p:sp>
-      <p:cxnSp>
-        <p:nvCxnSpPr>
-          <p:cNvPr id="33" name="Straight Connector 32">
-            <a:extLst>
-              <a:ext uri="{FF2B5EF4-FFF2-40B4-BE49-F238E27FC236}">
-                <a16:creationId xmlns:a16="http://schemas.microsoft.com/office/drawing/2014/main" id="{2E0074D4-7B52-3513-31BC-4A1FFDD7AC5A}"/>
-              </a:ext>
-            </a:extLst>
-          </p:cNvPr>
-          <p:cNvCxnSpPr>
-            <a:cxnSpLocks/>
-            <a:stCxn id="3" idx="3"/>
-          </p:cNvCxnSpPr>
-          <p:nvPr/>
-        </p:nvCxnSpPr>
-        <p:spPr>
-          <a:xfrm>
-            <a:off x="3987302" y="2324922"/>
-            <a:ext cx="1702556" cy="2018375"/>
-          </a:xfrm>
-          <a:prstGeom prst="line">
-            <a:avLst/>
-          </a:prstGeom>
-          <a:ln w="38100">
-            <a:solidFill>
-              <a:srgbClr val="FF0000"/>
-            </a:solidFill>
-            <a:prstDash val="dash"/>
-          </a:ln>
-        </p:spPr>
-        <p:style>
-          <a:lnRef idx="1">
-            <a:schemeClr val="accent1"/>
-          </a:lnRef>
-          <a:fillRef idx="0">
-            <a:schemeClr val="accent1"/>
-          </a:fillRef>
-          <a:effectRef idx="0">
-            <a:schemeClr val="accent1"/>
-          </a:effectRef>
-          <a:fontRef idx="minor">
-            <a:schemeClr val="tx1"/>
-          </a:fontRef>
-        </p:style>
-      </p:cxnSp>
-      <p:cxnSp>
-        <p:nvCxnSpPr>
-          <p:cNvPr id="34" name="Straight Connector 33">
-            <a:extLst>
-              <a:ext uri="{FF2B5EF4-FFF2-40B4-BE49-F238E27FC236}">
-                <a16:creationId xmlns:a16="http://schemas.microsoft.com/office/drawing/2014/main" id="{3EE6B91F-DF7B-56EC-4E82-D0C305F20CEB}"/>
-              </a:ext>
-            </a:extLst>
-          </p:cNvPr>
-          <p:cNvCxnSpPr>
-            <a:cxnSpLocks/>
-            <a:stCxn id="16" idx="3"/>
-            <a:endCxn id="30" idx="1"/>
-          </p:cNvCxnSpPr>
-          <p:nvPr/>
-        </p:nvCxnSpPr>
-        <p:spPr>
-          <a:xfrm>
-            <a:off x="3967719" y="4305883"/>
-            <a:ext cx="1644225" cy="441205"/>
-          </a:xfrm>
-          <a:prstGeom prst="line">
-            <a:avLst/>
-          </a:prstGeom>
-          <a:ln w="38100">
-            <a:solidFill>
-              <a:srgbClr val="FF0000"/>
-            </a:solidFill>
-            <a:prstDash val="dash"/>
-          </a:ln>
-        </p:spPr>
-        <p:style>
-          <a:lnRef idx="1">
-            <a:schemeClr val="accent1"/>
-          </a:lnRef>
-          <a:fillRef idx="0">
-            <a:schemeClr val="accent1"/>
-          </a:fillRef>
-          <a:effectRef idx="0">
-            <a:schemeClr val="accent1"/>
-          </a:effectRef>
-          <a:fontRef idx="minor">
-            <a:schemeClr val="tx1"/>
-          </a:fontRef>
-        </p:style>
-      </p:cxnSp>
-      <p:cxnSp>
-        <p:nvCxnSpPr>
-          <p:cNvPr id="37" name="Straight Connector 36">
-            <a:extLst>
-              <a:ext uri="{FF2B5EF4-FFF2-40B4-BE49-F238E27FC236}">
-                <a16:creationId xmlns:a16="http://schemas.microsoft.com/office/drawing/2014/main" id="{352B4BA0-0EEC-1A64-0311-9E640A3D26ED}"/>
-              </a:ext>
-            </a:extLst>
-          </p:cNvPr>
-          <p:cNvCxnSpPr>
-            <a:cxnSpLocks/>
-            <a:stCxn id="23" idx="2"/>
-            <a:endCxn id="30" idx="0"/>
-          </p:cNvCxnSpPr>
-          <p:nvPr/>
-        </p:nvCxnSpPr>
-        <p:spPr>
-          <a:xfrm flipH="1">
-            <a:off x="6500322" y="3286139"/>
-            <a:ext cx="1038187" cy="999284"/>
-          </a:xfrm>
-          <a:prstGeom prst="line">
-            <a:avLst/>
-          </a:prstGeom>
-          <a:ln w="38100">
-            <a:solidFill>
-              <a:srgbClr val="FF0000"/>
-            </a:solidFill>
-            <a:prstDash val="dash"/>
-          </a:ln>
-        </p:spPr>
-        <p:style>
-          <a:lnRef idx="1">
-            <a:schemeClr val="accent1"/>
-          </a:lnRef>
-          <a:fillRef idx="0">
-            <a:schemeClr val="accent1"/>
-          </a:fillRef>
-          <a:effectRef idx="0">
-            <a:schemeClr val="accent1"/>
-          </a:effectRef>
-          <a:fontRef idx="minor">
-            <a:schemeClr val="tx1"/>
-          </a:fontRef>
-        </p:style>
-      </p:cxnSp>
-      <p:cxnSp>
-        <p:nvCxnSpPr>
-          <p:cNvPr id="42" name="Straight Arrow Connector 41">
-            <a:extLst>
-              <a:ext uri="{FF2B5EF4-FFF2-40B4-BE49-F238E27FC236}">
-                <a16:creationId xmlns:a16="http://schemas.microsoft.com/office/drawing/2014/main" id="{5018A94D-30D0-A5EC-0ACF-71DE83926FE7}"/>
-              </a:ext>
-            </a:extLst>
-          </p:cNvPr>
-          <p:cNvCxnSpPr>
-            <a:cxnSpLocks/>
-            <a:endCxn id="27" idx="1"/>
-          </p:cNvCxnSpPr>
-          <p:nvPr/>
-        </p:nvCxnSpPr>
-        <p:spPr>
-          <a:xfrm>
-            <a:off x="3987302" y="2034856"/>
-            <a:ext cx="3306086" cy="357475"/>
-          </a:xfrm>
-          <a:prstGeom prst="straightConnector1">
-            <a:avLst/>
-          </a:prstGeom>
-          <a:ln w="28575">
-            <a:tailEnd type="triangle"/>
-          </a:ln>
-        </p:spPr>
-        <p:style>
-          <a:lnRef idx="1">
-            <a:schemeClr val="accent1"/>
-          </a:lnRef>
-          <a:fillRef idx="0">
-            <a:schemeClr val="accent1"/>
-          </a:fillRef>
-          <a:effectRef idx="0">
-            <a:schemeClr val="accent1"/>
-          </a:effectRef>
-          <a:fontRef idx="minor">
-            <a:schemeClr val="tx1"/>
-          </a:fontRef>
-        </p:style>
-      </p:cxnSp>
-      <p:cxnSp>
-        <p:nvCxnSpPr>
-          <p:cNvPr id="43" name="Straight Arrow Connector 42">
-            <a:extLst>
-              <a:ext uri="{FF2B5EF4-FFF2-40B4-BE49-F238E27FC236}">
-                <a16:creationId xmlns:a16="http://schemas.microsoft.com/office/drawing/2014/main" id="{98D998E3-0D64-4E5C-D6A6-B47D0C30EE88}"/>
-              </a:ext>
-            </a:extLst>
-          </p:cNvPr>
-          <p:cNvCxnSpPr>
-            <a:cxnSpLocks/>
-          </p:cNvCxnSpPr>
-          <p:nvPr/>
-        </p:nvCxnSpPr>
-        <p:spPr>
-          <a:xfrm flipV="1">
-            <a:off x="3967719" y="2809759"/>
-            <a:ext cx="3316775" cy="1213478"/>
-          </a:xfrm>
-          <a:prstGeom prst="straightConnector1">
-            <a:avLst/>
-          </a:prstGeom>
-          <a:ln w="28575">
-            <a:tailEnd type="triangle"/>
-          </a:ln>
-        </p:spPr>
-        <p:style>
-          <a:lnRef idx="1">
-            <a:schemeClr val="accent1"/>
-          </a:lnRef>
-          <a:fillRef idx="0">
-            <a:schemeClr val="accent1"/>
-          </a:fillRef>
-          <a:effectRef idx="0">
-            <a:schemeClr val="accent1"/>
-          </a:effectRef>
-          <a:fontRef idx="minor">
-            <a:schemeClr val="tx1"/>
-          </a:fontRef>
-        </p:style>
-      </p:cxnSp>
-      <p:grpSp>
-        <p:nvGrpSpPr>
-          <p:cNvPr id="46" name="Group 45">
-            <a:extLst>
-              <a:ext uri="{FF2B5EF4-FFF2-40B4-BE49-F238E27FC236}">
-                <a16:creationId xmlns:a16="http://schemas.microsoft.com/office/drawing/2014/main" id="{BB1F6A43-8C3F-329B-7CFF-5051393C2198}"/>
-              </a:ext>
-            </a:extLst>
-          </p:cNvPr>
-          <p:cNvGrpSpPr/>
-          <p:nvPr/>
-        </p:nvGrpSpPr>
-        <p:grpSpPr>
-          <a:xfrm>
-            <a:off x="4876258" y="1984609"/>
-            <a:ext cx="658654" cy="400592"/>
-            <a:chOff x="6696741" y="2862347"/>
-            <a:chExt cx="904617" cy="614462"/>
-          </a:xfrm>
-        </p:grpSpPr>
-        <p:sp>
-          <p:nvSpPr>
-            <p:cNvPr id="47" name="Oval 46">
-              <a:extLst>
-                <a:ext uri="{FF2B5EF4-FFF2-40B4-BE49-F238E27FC236}">
-                  <a16:creationId xmlns:a16="http://schemas.microsoft.com/office/drawing/2014/main" id="{15061CE4-E60C-5BD9-9974-36F9440D79A9}"/>
-                </a:ext>
-              </a:extLst>
-            </p:cNvPr>
-            <p:cNvSpPr/>
-            <p:nvPr/>
-          </p:nvSpPr>
-          <p:spPr>
-            <a:xfrm>
-              <a:off x="6828260" y="2862347"/>
-              <a:ext cx="616112" cy="614462"/>
-            </a:xfrm>
-            <a:prstGeom prst="ellipse">
-              <a:avLst/>
-            </a:prstGeom>
-            <a:solidFill>
-              <a:schemeClr val="accent1">
-                <a:lumMod val="40000"/>
-                <a:lumOff val="60000"/>
-              </a:schemeClr>
-            </a:solidFill>
-            <a:ln>
-              <a:noFill/>
-            </a:ln>
-          </p:spPr>
-          <p:style>
-            <a:lnRef idx="2">
-              <a:schemeClr val="accent1">
-                <a:shade val="15000"/>
-              </a:schemeClr>
-            </a:lnRef>
-            <a:fillRef idx="1">
-              <a:schemeClr val="accent1"/>
-            </a:fillRef>
-            <a:effectRef idx="0">
-              <a:schemeClr val="accent1"/>
-            </a:effectRef>
-            <a:fontRef idx="minor">
-              <a:schemeClr val="lt1"/>
-            </a:fontRef>
-          </p:style>
-          <p:txBody>
-            <a:bodyPr lIns="0" rIns="0" rtlCol="0" anchor="ctr"/>
-            <a:lstStyle/>
-            <a:p>
-              <a:pPr algn="ctr"/>
-              <a:endParaRPr lang="en-NL" sz="900" dirty="0">
-                <a:solidFill>
-                  <a:schemeClr val="tx1"/>
-                </a:solidFill>
-              </a:endParaRPr>
-            </a:p>
-          </p:txBody>
-        </p:sp>
-        <mc:AlternateContent xmlns:mc="http://schemas.openxmlformats.org/markup-compatibility/2006">
-          <mc:Choice xmlns:a14="http://schemas.microsoft.com/office/drawing/2010/main" Requires="a14">
-            <p:sp>
-              <p:nvSpPr>
-                <p:cNvPr id="48" name="TextBox 47">
-                  <a:extLst>
-                    <a:ext uri="{FF2B5EF4-FFF2-40B4-BE49-F238E27FC236}">
-                      <a16:creationId xmlns:a16="http://schemas.microsoft.com/office/drawing/2014/main" id="{0BD11F20-563A-D20E-C5D3-37014BC9073A}"/>
-                    </a:ext>
-                  </a:extLst>
-                </p:cNvPr>
-                <p:cNvSpPr txBox="1"/>
-                <p:nvPr/>
-              </p:nvSpPr>
-              <p:spPr>
-                <a:xfrm>
-                  <a:off x="6696741" y="2932794"/>
-                  <a:ext cx="904617" cy="400109"/>
-                </a:xfrm>
-                <a:prstGeom prst="rect">
-                  <a:avLst/>
-                </a:prstGeom>
-                <a:noFill/>
-              </p:spPr>
-              <p:txBody>
-                <a:bodyPr wrap="square" rtlCol="0">
-                  <a:spAutoFit/>
-                </a:bodyPr>
-                <a:lstStyle/>
-                <a:p>
-                  <a14:m>
-                    <m:oMathPara xmlns:m="http://schemas.openxmlformats.org/officeDocument/2006/math">
-                      <m:oMathParaPr>
-                        <m:jc m:val="centerGroup"/>
-                      </m:oMathParaPr>
-                      <m:oMath xmlns:m="http://schemas.openxmlformats.org/officeDocument/2006/math">
-                        <m:sSub>
-                          <m:sSubPr>
-                            <m:ctrlPr>
-                              <a:rPr lang="en-US" sz="1000" b="0" i="1" smtClean="0">
-                                <a:solidFill>
-                                  <a:schemeClr val="tx1"/>
-                                </a:solidFill>
-                                <a:latin typeface="Cambria Math" panose="02040503050406030204" pitchFamily="18" charset="0"/>
-                              </a:rPr>
-                            </m:ctrlPr>
-                          </m:sSubPr>
-                          <m:e>
-                            <m:r>
-                              <a:rPr lang="en-US" sz="1000" b="0" i="1" smtClean="0">
-                                <a:solidFill>
-                                  <a:schemeClr val="tx1"/>
-                                </a:solidFill>
-                                <a:latin typeface="Cambria Math" panose="02040503050406030204" pitchFamily="18" charset="0"/>
-                              </a:rPr>
-                              <m:t>𝑦</m:t>
-                            </m:r>
-                          </m:e>
-                          <m:sub>
-                            <m:r>
-                              <a:rPr lang="en-US" sz="1000" b="0" i="1" smtClean="0">
-                                <a:solidFill>
-                                  <a:schemeClr val="tx1"/>
-                                </a:solidFill>
-                                <a:latin typeface="Cambria Math" panose="02040503050406030204" pitchFamily="18" charset="0"/>
-                              </a:rPr>
-                              <m:t>1</m:t>
-                            </m:r>
-                          </m:sub>
-                        </m:sSub>
-                      </m:oMath>
-                    </m:oMathPara>
-                  </a14:m>
-                  <a:endParaRPr lang="en-NL" sz="1000" dirty="0">
-                    <a:solidFill>
-                      <a:schemeClr val="tx1"/>
-                    </a:solidFill>
-                  </a:endParaRPr>
-                </a:p>
-                <a:p>
-                  <a:endParaRPr lang="en-NL" sz="1000" dirty="0"/>
-                </a:p>
-              </p:txBody>
-            </p:sp>
-          </mc:Choice>
-          <mc:Fallback>
-            <p:sp>
-              <p:nvSpPr>
-                <p:cNvPr id="48" name="TextBox 47">
-                  <a:extLst>
-                    <a:ext uri="{FF2B5EF4-FFF2-40B4-BE49-F238E27FC236}">
-                      <a16:creationId xmlns:a16="http://schemas.microsoft.com/office/drawing/2014/main" id="{0BD11F20-563A-D20E-C5D3-37014BC9073A}"/>
-                    </a:ext>
-                  </a:extLst>
-                </p:cNvPr>
-                <p:cNvSpPr txBox="1">
-                  <a:spLocks noRot="1" noChangeAspect="1" noMove="1" noResize="1" noEditPoints="1" noAdjustHandles="1" noChangeArrowheads="1" noChangeShapeType="1" noTextEdit="1"/>
-                </p:cNvSpPr>
-                <p:nvPr/>
-              </p:nvSpPr>
-              <p:spPr>
-                <a:xfrm>
-                  <a:off x="6696741" y="2932794"/>
-                  <a:ext cx="904617" cy="400109"/>
-                </a:xfrm>
-                <a:prstGeom prst="rect">
-                  <a:avLst/>
-                </a:prstGeom>
-                <a:blipFill>
-                  <a:blip r:embed="rId7"/>
-                  <a:stretch>
-                    <a:fillRect/>
-                  </a:stretch>
-                </a:blipFill>
-              </p:spPr>
-              <p:txBody>
-                <a:bodyPr/>
-                <a:lstStyle/>
-                <a:p>
-                  <a:r>
-                    <a:rPr lang="en-NL">
-                      <a:noFill/>
-                    </a:rPr>
-                    <a:t> </a:t>
-                  </a:r>
-                </a:p>
-              </p:txBody>
-            </p:sp>
-          </mc:Fallback>
-        </mc:AlternateContent>
-      </p:grpSp>
-      <p:grpSp>
-        <p:nvGrpSpPr>
-          <p:cNvPr id="49" name="Group 48">
-            <a:extLst>
-              <a:ext uri="{FF2B5EF4-FFF2-40B4-BE49-F238E27FC236}">
-                <a16:creationId xmlns:a16="http://schemas.microsoft.com/office/drawing/2014/main" id="{0841FCF0-8DC4-E084-F3B0-BF284868BE31}"/>
-              </a:ext>
-            </a:extLst>
-          </p:cNvPr>
-          <p:cNvGrpSpPr/>
-          <p:nvPr/>
-        </p:nvGrpSpPr>
-        <p:grpSpPr>
-          <a:xfrm>
-            <a:off x="5096763" y="3260015"/>
-            <a:ext cx="658654" cy="446037"/>
-            <a:chOff x="6696741" y="2862347"/>
-            <a:chExt cx="904617" cy="684170"/>
-          </a:xfrm>
-        </p:grpSpPr>
-        <p:sp>
-          <p:nvSpPr>
-            <p:cNvPr id="50" name="Oval 49">
-              <a:extLst>
-                <a:ext uri="{FF2B5EF4-FFF2-40B4-BE49-F238E27FC236}">
-                  <a16:creationId xmlns:a16="http://schemas.microsoft.com/office/drawing/2014/main" id="{BB14A7FB-274B-9661-D1B1-08AFB0938EE6}"/>
-                </a:ext>
-              </a:extLst>
-            </p:cNvPr>
-            <p:cNvSpPr/>
-            <p:nvPr/>
-          </p:nvSpPr>
-          <p:spPr>
-            <a:xfrm>
-              <a:off x="6828260" y="2862347"/>
-              <a:ext cx="616112" cy="614462"/>
-            </a:xfrm>
-            <a:prstGeom prst="ellipse">
-              <a:avLst/>
-            </a:prstGeom>
-            <a:solidFill>
-              <a:schemeClr val="accent2">
-                <a:lumMod val="40000"/>
-                <a:lumOff val="60000"/>
-              </a:schemeClr>
-            </a:solidFill>
-            <a:ln>
-              <a:noFill/>
-            </a:ln>
-          </p:spPr>
-          <p:style>
-            <a:lnRef idx="2">
-              <a:schemeClr val="accent1">
-                <a:shade val="15000"/>
-              </a:schemeClr>
-            </a:lnRef>
-            <a:fillRef idx="1">
-              <a:schemeClr val="accent1"/>
-            </a:fillRef>
-            <a:effectRef idx="0">
-              <a:schemeClr val="accent1"/>
-            </a:effectRef>
-            <a:fontRef idx="minor">
-              <a:schemeClr val="lt1"/>
-            </a:fontRef>
-          </p:style>
-          <p:txBody>
-            <a:bodyPr lIns="0" rIns="0" rtlCol="0" anchor="ctr"/>
-            <a:lstStyle/>
-            <a:p>
-              <a:pPr algn="ctr"/>
-              <a:endParaRPr lang="en-NL" sz="900" dirty="0">
-                <a:solidFill>
-                  <a:schemeClr val="tx1"/>
-                </a:solidFill>
-              </a:endParaRPr>
-            </a:p>
-          </p:txBody>
-        </p:sp>
-        <mc:AlternateContent xmlns:mc="http://schemas.openxmlformats.org/markup-compatibility/2006">
-          <mc:Choice xmlns:a14="http://schemas.microsoft.com/office/drawing/2010/main" Requires="a14">
-            <p:sp>
-              <p:nvSpPr>
-                <p:cNvPr id="51" name="TextBox 50">
-                  <a:extLst>
-                    <a:ext uri="{FF2B5EF4-FFF2-40B4-BE49-F238E27FC236}">
-                      <a16:creationId xmlns:a16="http://schemas.microsoft.com/office/drawing/2014/main" id="{B661658F-918D-5D1F-1E73-CCEB581E17E2}"/>
-                    </a:ext>
-                  </a:extLst>
-                </p:cNvPr>
-                <p:cNvSpPr txBox="1"/>
-                <p:nvPr/>
-              </p:nvSpPr>
-              <p:spPr>
-                <a:xfrm>
-                  <a:off x="6696741" y="2932794"/>
-                  <a:ext cx="904617" cy="613723"/>
-                </a:xfrm>
-                <a:prstGeom prst="rect">
-                  <a:avLst/>
-                </a:prstGeom>
-                <a:noFill/>
-              </p:spPr>
-              <p:txBody>
-                <a:bodyPr wrap="square" rtlCol="0">
-                  <a:spAutoFit/>
-                </a:bodyPr>
-                <a:lstStyle/>
-                <a:p>
-                  <a14:m>
-                    <m:oMathPara xmlns:m="http://schemas.openxmlformats.org/officeDocument/2006/math">
-                      <m:oMathParaPr>
-                        <m:jc m:val="centerGroup"/>
-                      </m:oMathParaPr>
-                      <m:oMath xmlns:m="http://schemas.openxmlformats.org/officeDocument/2006/math">
-                        <m:sSub>
-                          <m:sSubPr>
-                            <m:ctrlPr>
-                              <a:rPr lang="en-US" sz="1000" b="0" i="1" smtClean="0">
-                                <a:solidFill>
-                                  <a:schemeClr val="tx1"/>
-                                </a:solidFill>
-                                <a:latin typeface="Cambria Math" panose="02040503050406030204" pitchFamily="18" charset="0"/>
-                              </a:rPr>
-                            </m:ctrlPr>
-                          </m:sSubPr>
-                          <m:e>
-                            <m:r>
-                              <a:rPr lang="en-US" sz="1000" b="0" i="1" smtClean="0">
-                                <a:solidFill>
-                                  <a:schemeClr val="tx1"/>
-                                </a:solidFill>
-                                <a:latin typeface="Cambria Math" panose="02040503050406030204" pitchFamily="18" charset="0"/>
-                              </a:rPr>
-                              <m:t>𝑦</m:t>
-                            </m:r>
-                          </m:e>
-                          <m:sub>
-                            <m:r>
-                              <a:rPr lang="en-US" sz="1000" b="0" i="1" smtClean="0">
-                                <a:solidFill>
-                                  <a:schemeClr val="tx1"/>
-                                </a:solidFill>
-                                <a:latin typeface="Cambria Math" panose="02040503050406030204" pitchFamily="18" charset="0"/>
-                              </a:rPr>
-                              <m:t>2</m:t>
-                            </m:r>
-                          </m:sub>
-                        </m:sSub>
-                      </m:oMath>
-                    </m:oMathPara>
-                  </a14:m>
-                  <a:endParaRPr lang="en-NL" sz="1000" dirty="0">
-                    <a:solidFill>
-                      <a:schemeClr val="tx1"/>
-                    </a:solidFill>
-                  </a:endParaRPr>
-                </a:p>
-                <a:p>
-                  <a:endParaRPr lang="en-NL" sz="1000" dirty="0"/>
-                </a:p>
-              </p:txBody>
-            </p:sp>
-          </mc:Choice>
-          <mc:Fallback>
-            <p:sp>
-              <p:nvSpPr>
-                <p:cNvPr id="51" name="TextBox 50">
-                  <a:extLst>
-                    <a:ext uri="{FF2B5EF4-FFF2-40B4-BE49-F238E27FC236}">
-                      <a16:creationId xmlns:a16="http://schemas.microsoft.com/office/drawing/2014/main" id="{B661658F-918D-5D1F-1E73-CCEB581E17E2}"/>
-                    </a:ext>
-                  </a:extLst>
-                </p:cNvPr>
-                <p:cNvSpPr txBox="1">
-                  <a:spLocks noRot="1" noChangeAspect="1" noMove="1" noResize="1" noEditPoints="1" noAdjustHandles="1" noChangeArrowheads="1" noChangeShapeType="1" noTextEdit="1"/>
-                </p:cNvSpPr>
-                <p:nvPr/>
-              </p:nvSpPr>
-              <p:spPr>
-                <a:xfrm>
-                  <a:off x="6696741" y="2932794"/>
-                  <a:ext cx="904617" cy="613723"/>
-                </a:xfrm>
-                <a:prstGeom prst="rect">
-                  <a:avLst/>
-                </a:prstGeom>
-                <a:blipFill>
-                  <a:blip r:embed="rId8"/>
-                  <a:stretch>
-                    <a:fillRect/>
-                  </a:stretch>
-                </a:blipFill>
-              </p:spPr>
-              <p:txBody>
-                <a:bodyPr/>
-                <a:lstStyle/>
-                <a:p>
-                  <a:r>
-                    <a:rPr lang="en-NL">
-                      <a:noFill/>
-                    </a:rPr>
-                    <a:t> </a:t>
-                  </a:r>
-                </a:p>
-              </p:txBody>
-            </p:sp>
-          </mc:Fallback>
-        </mc:AlternateContent>
-      </p:grpSp>
     </p:spTree>
     <p:extLst>
       <p:ext uri="{BB962C8B-B14F-4D97-AF65-F5344CB8AC3E}">
@@ -34390,15 +31822,6 @@
 </file>
 
 <file path=customXml/item1.xml><?xml version="1.0" encoding="utf-8"?>
-<?mso-contentType ?>
-<FormTemplates xmlns="http://schemas.microsoft.com/sharepoint/v3/contenttype/forms">
-  <Display>DocumentLibraryForm</Display>
-  <Edit>DocumentLibraryForm</Edit>
-  <New>DocumentLibraryForm</New>
-</FormTemplates>
-</file>
-
-<file path=customXml/item2.xml><?xml version="1.0" encoding="utf-8"?>
 <ct:contentTypeSchema xmlns:ct="http://schemas.microsoft.com/office/2006/metadata/contentType" xmlns:ma="http://schemas.microsoft.com/office/2006/metadata/properties/metaAttributes" ct:_="" ma:_="" ma:contentTypeName="Document" ma:contentTypeID="0x01010097164C23EC47024F97AA423E75479F12" ma:contentTypeVersion="18" ma:contentTypeDescription="Create a new document." ma:contentTypeScope="" ma:versionID="108453ed9b46aec3b70b3a9a4d9bd7ac">
   <xsd:schema xmlns:xsd="http://www.w3.org/2001/XMLSchema" xmlns:xs="http://www.w3.org/2001/XMLSchema" xmlns:p="http://schemas.microsoft.com/office/2006/metadata/properties" xmlns:ns2="af34c8a9-9806-44d6-aa44-d772f2793323" xmlns:ns3="26898810-f9b9-406f-8188-8f8f7cdf5520" targetNamespace="http://schemas.microsoft.com/office/2006/metadata/properties" ma:root="true" ma:fieldsID="52bb5089fb0674458b27754d2b24d983" ns2:_="" ns3:_="">
     <xsd:import namespace="af34c8a9-9806-44d6-aa44-d772f2793323"/>
@@ -34647,15 +32070,16 @@
 </ct:contentTypeSchema>
 </file>
 
-<file path=customXml/itemProps1.xml><?xml version="1.0" encoding="utf-8"?>
-<ds:datastoreItem xmlns:ds="http://schemas.openxmlformats.org/officeDocument/2006/customXml" ds:itemID="{38C92116-0E62-45E4-A606-D334EE2D2ADE}">
-  <ds:schemaRefs>
-    <ds:schemaRef ds:uri="http://schemas.microsoft.com/sharepoint/v3/contenttype/forms"/>
-  </ds:schemaRefs>
-</ds:datastoreItem>
+<file path=customXml/item2.xml><?xml version="1.0" encoding="utf-8"?>
+<?mso-contentType ?>
+<FormTemplates xmlns="http://schemas.microsoft.com/sharepoint/v3/contenttype/forms">
+  <Display>DocumentLibraryForm</Display>
+  <Edit>DocumentLibraryForm</Edit>
+  <New>DocumentLibraryForm</New>
+</FormTemplates>
 </file>
 
-<file path=customXml/itemProps2.xml><?xml version="1.0" encoding="utf-8"?>
+<file path=customXml/itemProps1.xml><?xml version="1.0" encoding="utf-8"?>
 <ds:datastoreItem xmlns:ds="http://schemas.openxmlformats.org/officeDocument/2006/customXml" ds:itemID="{9D7DDECB-4DB6-4FC7-872F-1054CABC7EED}">
   <ds:schemaRefs>
     <ds:schemaRef ds:uri="http://schemas.microsoft.com/office/2006/metadata/contentType"/>
@@ -34672,4 +32096,12 @@
     <ds:schemaRef ds:uri="http://schemas.microsoft.com/internal/obd"/>
   </ds:schemaRefs>
 </ds:datastoreItem>
+</file>
+
+<file path=customXml/itemProps2.xml><?xml version="1.0" encoding="utf-8"?>
+<ds:datastoreItem xmlns:ds="http://schemas.openxmlformats.org/officeDocument/2006/customXml" ds:itemID="{38C92116-0E62-45E4-A606-D334EE2D2ADE}">
+  <ds:schemaRefs>
+    <ds:schemaRef ds:uri="http://schemas.microsoft.com/sharepoint/v3/contenttype/forms"/>
+  </ds:schemaRefs>
+</ds:datastoreItem>
 </file>